--- a/AngularJS-01/AngularJS-01.pptx
+++ b/AngularJS-01/AngularJS-01.pptx
@@ -5,7 +5,7 @@
     <p:sldMasterId id="2147483684" r:id="rId1"/>
   </p:sldMasterIdLst>
   <p:notesMasterIdLst>
-    <p:notesMasterId r:id="rId14"/>
+    <p:notesMasterId r:id="rId15"/>
   </p:notesMasterIdLst>
   <p:sldIdLst>
     <p:sldId id="256" r:id="rId2"/>
@@ -13,13 +13,14 @@
     <p:sldId id="257" r:id="rId4"/>
     <p:sldId id="258" r:id="rId5"/>
     <p:sldId id="267" r:id="rId6"/>
-    <p:sldId id="259" r:id="rId7"/>
-    <p:sldId id="268" r:id="rId8"/>
-    <p:sldId id="269" r:id="rId9"/>
-    <p:sldId id="261" r:id="rId10"/>
-    <p:sldId id="263" r:id="rId11"/>
-    <p:sldId id="264" r:id="rId12"/>
-    <p:sldId id="270" r:id="rId13"/>
+    <p:sldId id="272" r:id="rId7"/>
+    <p:sldId id="273" r:id="rId8"/>
+    <p:sldId id="259" r:id="rId9"/>
+    <p:sldId id="268" r:id="rId10"/>
+    <p:sldId id="269" r:id="rId11"/>
+    <p:sldId id="275" r:id="rId12"/>
+    <p:sldId id="274" r:id="rId13"/>
+    <p:sldId id="270" r:id="rId14"/>
   </p:sldIdLst>
   <p:sldSz cx="9144000" cy="6858000" type="screen4x3"/>
   <p:notesSz cx="7010400" cy="9296400"/>
@@ -204,7 +205,7 @@
             <a:fld id="{5D68B289-DCC4-4E93-B74E-0ECAF4BEA273}" type="datetimeFigureOut">
               <a:rPr lang="en-US" smtClean="0"/>
               <a:pPr/>
-              <a:t>2/19/2016</a:t>
+              <a:t>2/21/2016</a:t>
             </a:fld>
             <a:endParaRPr lang="en-US"/>
           </a:p>
@@ -373,7 +374,7 @@
     </p:spTree>
     <p:extLst>
       <p:ext uri="{BB962C8B-B14F-4D97-AF65-F5344CB8AC3E}">
-        <p14:creationId xmlns:p14="http://schemas.microsoft.com/office/powerpoint/2010/main" xmlns="" val="1172062371"/>
+        <p14:creationId xmlns="" xmlns:p14="http://schemas.microsoft.com/office/powerpoint/2010/main" val="1172062371"/>
       </p:ext>
     </p:extLst>
   </p:cSld>
@@ -548,7 +549,7 @@
     </p:spTree>
     <p:extLst>
       <p:ext uri="{BB962C8B-B14F-4D97-AF65-F5344CB8AC3E}">
-        <p14:creationId xmlns:p14="http://schemas.microsoft.com/office/powerpoint/2010/main" xmlns="" val="4202158705"/>
+        <p14:creationId xmlns="" xmlns:p14="http://schemas.microsoft.com/office/powerpoint/2010/main" val="4202158705"/>
       </p:ext>
     </p:extLst>
   </p:cSld>
@@ -633,7 +634,7 @@
     </p:spTree>
     <p:extLst>
       <p:ext uri="{BB962C8B-B14F-4D97-AF65-F5344CB8AC3E}">
-        <p14:creationId xmlns:p14="http://schemas.microsoft.com/office/powerpoint/2010/main" xmlns="" val="761018188"/>
+        <p14:creationId xmlns="" xmlns:p14="http://schemas.microsoft.com/office/powerpoint/2010/main" val="761018188"/>
       </p:ext>
     </p:extLst>
   </p:cSld>
@@ -862,7 +863,7 @@
     </p:spTree>
     <p:extLst>
       <p:ext uri="{BB962C8B-B14F-4D97-AF65-F5344CB8AC3E}">
-        <p14:creationId xmlns:p14="http://schemas.microsoft.com/office/powerpoint/2010/main" xmlns="" val="2855059919"/>
+        <p14:creationId xmlns="" xmlns:p14="http://schemas.microsoft.com/office/powerpoint/2010/main" val="2855059919"/>
       </p:ext>
     </p:extLst>
   </p:cSld>
@@ -947,7 +948,7 @@
     </p:spTree>
     <p:extLst>
       <p:ext uri="{BB962C8B-B14F-4D97-AF65-F5344CB8AC3E}">
-        <p14:creationId xmlns:p14="http://schemas.microsoft.com/office/powerpoint/2010/main" xmlns="" val="1988802693"/>
+        <p14:creationId xmlns="" xmlns:p14="http://schemas.microsoft.com/office/powerpoint/2010/main" val="1988802693"/>
       </p:ext>
     </p:extLst>
   </p:cSld>
@@ -1578,7 +1579,7 @@
             <a:fld id="{3FAA1779-64C4-4CFB-99B1-C1FE11C03E56}" type="slidenum">
               <a:rPr lang="en-US" smtClean="0"/>
               <a:pPr/>
-              <a:t>6</a:t>
+              <a:t>8</a:t>
             </a:fld>
             <a:endParaRPr lang="en-US"/>
           </a:p>
@@ -1587,7 +1588,7 @@
     </p:spTree>
     <p:extLst>
       <p:ext uri="{BB962C8B-B14F-4D97-AF65-F5344CB8AC3E}">
-        <p14:creationId xmlns:p14="http://schemas.microsoft.com/office/powerpoint/2010/main" xmlns="" val="2254045647"/>
+        <p14:creationId xmlns="" xmlns:p14="http://schemas.microsoft.com/office/powerpoint/2010/main" val="2254045647"/>
       </p:ext>
     </p:extLst>
   </p:cSld>
@@ -1638,7 +1639,9 @@
         </p:nvSpPr>
         <p:spPr/>
         <p:txBody>
-          <a:bodyPr/>
+          <a:bodyPr>
+            <a:normAutofit/>
+          </a:bodyPr>
           <a:lstStyle/>
           <a:p>
             <a:endParaRPr lang="en-US" dirty="0"/>
@@ -1663,18 +1666,13 @@
             <a:fld id="{3FAA1779-64C4-4CFB-99B1-C1FE11C03E56}" type="slidenum">
               <a:rPr lang="en-US" smtClean="0"/>
               <a:pPr/>
-              <a:t>9</a:t>
+              <a:t>11</a:t>
             </a:fld>
             <a:endParaRPr lang="en-US"/>
           </a:p>
         </p:txBody>
       </p:sp>
     </p:spTree>
-    <p:extLst>
-      <p:ext uri="{BB962C8B-B14F-4D97-AF65-F5344CB8AC3E}">
-        <p14:creationId xmlns:p14="http://schemas.microsoft.com/office/powerpoint/2010/main" xmlns="" val="191623095"/>
-      </p:ext>
-    </p:extLst>
   </p:cSld>
   <p:clrMapOvr>
     <a:masterClrMapping/>
@@ -1723,571 +1721,12 @@
         </p:nvSpPr>
         <p:spPr/>
         <p:txBody>
-          <a:bodyPr/>
+          <a:bodyPr>
+            <a:normAutofit/>
+          </a:bodyPr>
           <a:lstStyle/>
           <a:p>
-            <a:pPr marL="0" lvl="2" defTabSz="931774">
-              <a:defRPr/>
-            </a:pPr>
-            <a:r>
-              <a:rPr lang="en-US" b="1" dirty="0" smtClean="0"/>
-              <a:t>Data Binding -&gt;</a:t>
-            </a:r>
-            <a:r>
-              <a:rPr lang="en-US" dirty="0" smtClean="0"/>
-              <a:t>  (*Core of MVC</a:t>
-            </a:r>
-            <a:r>
-              <a:rPr lang="en-US" baseline="0" dirty="0" smtClean="0"/>
-              <a:t>)</a:t>
-            </a:r>
-          </a:p>
-          <a:p>
-            <a:pPr marL="291179" lvl="2" indent="-291179" defTabSz="931774">
-              <a:buFont typeface="+mj-lt"/>
-              <a:buAutoNum type="romanUcPeriod"/>
-              <a:defRPr/>
-            </a:pPr>
-            <a:endParaRPr lang="en-US" dirty="0" smtClean="0"/>
-          </a:p>
-          <a:p>
-            <a:pPr marL="291179" lvl="2" indent="-291179" defTabSz="931774">
-              <a:buFont typeface="+mj-lt"/>
-              <a:buAutoNum type="romanUcPeriod"/>
-              <a:defRPr/>
-            </a:pPr>
-            <a:r>
-              <a:rPr lang="en-US" dirty="0" smtClean="0"/>
-              <a:t>ng-hide,</a:t>
-            </a:r>
-            <a:r>
-              <a:rPr lang="en-US" baseline="0" dirty="0" smtClean="0"/>
-              <a:t> ng-show </a:t>
-            </a:r>
-          </a:p>
-          <a:p>
-            <a:pPr marL="698830" lvl="3" indent="-232943" defTabSz="931774">
-              <a:buFont typeface="+mj-lt"/>
-              <a:buAutoNum type="arabicPeriod"/>
-              <a:defRPr/>
-            </a:pPr>
-            <a:r>
-              <a:rPr lang="en-US" dirty="0" smtClean="0"/>
-              <a:t>app.js =&gt; </a:t>
-            </a:r>
-          </a:p>
-          <a:p>
-            <a:pPr marL="1106481" lvl="4" indent="-174708" defTabSz="931774">
-              <a:buFont typeface="Arial" panose="020B0604020202020204" pitchFamily="34" charset="0"/>
-              <a:buChar char="•"/>
-              <a:defRPr/>
-            </a:pPr>
-            <a:r>
-              <a:rPr lang="en-US" dirty="0" err="1"/>
-              <a:t>visitorsCtrl</a:t>
-            </a:r>
-            <a:r>
-              <a:rPr lang="en-US" dirty="0" smtClean="0"/>
-              <a:t> </a:t>
-            </a:r>
-          </a:p>
-          <a:p>
-            <a:pPr marL="1397660" lvl="5" defTabSz="931774">
-              <a:defRPr/>
-            </a:pPr>
-            <a:r>
-              <a:rPr lang="en-US" dirty="0" smtClean="0"/>
-              <a:t>$</a:t>
-            </a:r>
-            <a:r>
-              <a:rPr lang="en-US" dirty="0" err="1" smtClean="0"/>
-              <a:t>scope.IsSuccessfull</a:t>
-            </a:r>
-            <a:r>
-              <a:rPr lang="en-US" dirty="0" smtClean="0"/>
-              <a:t> = </a:t>
-            </a:r>
-            <a:r>
-              <a:rPr lang="en-US" dirty="0"/>
-              <a:t>false</a:t>
-            </a:r>
-            <a:r>
-              <a:rPr lang="en-US" dirty="0" smtClean="0"/>
-              <a:t>;         </a:t>
-            </a:r>
-          </a:p>
-          <a:p>
-            <a:pPr marL="1397660" lvl="5" defTabSz="931774">
-              <a:defRPr/>
-            </a:pPr>
-            <a:r>
-              <a:rPr lang="en-US" dirty="0" smtClean="0"/>
-              <a:t>$</a:t>
-            </a:r>
-            <a:r>
-              <a:rPr lang="en-US" dirty="0" err="1" smtClean="0"/>
-              <a:t>scope.showWarning</a:t>
-            </a:r>
-            <a:r>
-              <a:rPr lang="en-US" dirty="0" smtClean="0"/>
-              <a:t> = </a:t>
-            </a:r>
-            <a:r>
-              <a:rPr lang="en-US" dirty="0"/>
-              <a:t>true</a:t>
-            </a:r>
-            <a:r>
-              <a:rPr lang="en-US" dirty="0" smtClean="0"/>
-              <a:t>;        </a:t>
-            </a:r>
-          </a:p>
-          <a:p>
-            <a:pPr marL="698830" lvl="3" indent="-232943" defTabSz="931774">
-              <a:buFont typeface="+mj-lt"/>
-              <a:buAutoNum type="arabicPeriod"/>
-              <a:defRPr/>
-            </a:pPr>
-            <a:r>
-              <a:rPr lang="en-US" dirty="0"/>
-              <a:t>Visitors.html =&gt; </a:t>
-            </a:r>
-          </a:p>
-          <a:p>
-            <a:pPr marL="465887" lvl="3" defTabSz="931774">
-              <a:defRPr/>
-            </a:pPr>
-            <a:r>
-              <a:rPr lang="en-US" dirty="0" smtClean="0"/>
-              <a:t>	n</a:t>
-            </a:r>
-            <a:r>
-              <a:rPr lang="en-US" dirty="0"/>
-              <a:t>g-hide="</a:t>
-            </a:r>
-            <a:r>
-              <a:rPr lang="en-US" dirty="0" err="1"/>
-              <a:t>IsSuccessfull</a:t>
-            </a:r>
-            <a:r>
-              <a:rPr lang="en-US" dirty="0"/>
-              <a:t>"</a:t>
-            </a:r>
-            <a:r>
-              <a:rPr lang="en-US" dirty="0" smtClean="0"/>
-              <a:t> </a:t>
-            </a:r>
-          </a:p>
-          <a:p>
-            <a:pPr marL="465887" lvl="3" defTabSz="931774">
-              <a:defRPr/>
-            </a:pPr>
-            <a:r>
-              <a:rPr lang="en-US" dirty="0" smtClean="0"/>
-              <a:t>	</a:t>
-            </a:r>
-            <a:r>
-              <a:rPr lang="en-US" dirty="0"/>
-              <a:t>ng-show="</a:t>
-            </a:r>
-            <a:r>
-              <a:rPr lang="en-US" dirty="0" err="1"/>
-              <a:t>showWarning</a:t>
-            </a:r>
-            <a:r>
-              <a:rPr lang="en-US" dirty="0"/>
-              <a:t>"</a:t>
-            </a:r>
-            <a:r>
-              <a:rPr lang="en-US" dirty="0" smtClean="0"/>
-              <a:t> </a:t>
-            </a:r>
-          </a:p>
-          <a:p>
-            <a:pPr marL="465887" lvl="3" defTabSz="931774">
-              <a:defRPr/>
-            </a:pPr>
-            <a:endParaRPr lang="en-US" dirty="0" smtClean="0"/>
-          </a:p>
-          <a:p>
-            <a:pPr marL="465887" lvl="3" defTabSz="931774">
-              <a:defRPr/>
-            </a:pPr>
-            <a:r>
-              <a:rPr lang="en-US" dirty="0" smtClean="0"/>
-              <a:t>(*Change “</a:t>
-            </a:r>
-            <a:r>
-              <a:rPr lang="en-US" dirty="0" err="1" smtClean="0"/>
-              <a:t>IsSuccessfull</a:t>
-            </a:r>
-            <a:r>
-              <a:rPr lang="en-US" dirty="0" smtClean="0"/>
-              <a:t>” to true and show changes)</a:t>
-            </a:r>
-          </a:p>
-          <a:p>
-            <a:pPr marL="465887" lvl="3" defTabSz="931774">
-              <a:defRPr/>
-            </a:pPr>
-            <a:endParaRPr lang="en-US" dirty="0" smtClean="0"/>
-          </a:p>
-          <a:p>
-            <a:pPr marL="291179" lvl="2" indent="-291179" defTabSz="931774">
-              <a:buFont typeface="+mj-lt"/>
-              <a:buAutoNum type="romanUcPeriod"/>
-              <a:defRPr/>
-            </a:pPr>
-            <a:r>
-              <a:rPr lang="en-US" dirty="0" smtClean="0"/>
-              <a:t>Simple</a:t>
-            </a:r>
-            <a:r>
-              <a:rPr lang="en-US" baseline="0" dirty="0" smtClean="0"/>
-              <a:t> Binding</a:t>
-            </a:r>
-            <a:endParaRPr lang="en-US" dirty="0" smtClean="0"/>
-          </a:p>
-          <a:p>
-            <a:pPr marL="698830" lvl="3" indent="-232943" defTabSz="931774">
-              <a:buFont typeface="+mj-lt"/>
-              <a:buAutoNum type="arabicPeriod"/>
-              <a:defRPr/>
-            </a:pPr>
-            <a:r>
-              <a:rPr lang="en-US" dirty="0" smtClean="0"/>
-              <a:t>app.js =&gt; </a:t>
-            </a:r>
-          </a:p>
-          <a:p>
-            <a:pPr marL="931774" lvl="4" defTabSz="931774">
-              <a:defRPr/>
-            </a:pPr>
-            <a:r>
-              <a:rPr lang="en-US" dirty="0" smtClean="0"/>
-              <a:t>$</a:t>
-            </a:r>
-            <a:r>
-              <a:rPr lang="en-US" dirty="0" err="1" smtClean="0"/>
-              <a:t>scope.service</a:t>
-            </a:r>
-            <a:r>
-              <a:rPr lang="en-US" dirty="0" smtClean="0"/>
-              <a:t> = </a:t>
-            </a:r>
-            <a:r>
-              <a:rPr lang="en-US" dirty="0" err="1" smtClean="0"/>
-              <a:t>getstatsSharedService</a:t>
-            </a:r>
-            <a:r>
-              <a:rPr lang="en-US" dirty="0" smtClean="0"/>
-              <a:t>; </a:t>
-            </a:r>
-          </a:p>
-          <a:p>
-            <a:pPr marL="698830" lvl="3" indent="-232943" defTabSz="931774">
-              <a:buFont typeface="+mj-lt"/>
-              <a:buAutoNum type="arabicPeriod"/>
-              <a:defRPr/>
-            </a:pPr>
-            <a:r>
-              <a:rPr lang="en-US" dirty="0"/>
-              <a:t>Tables.html =&gt; </a:t>
-            </a:r>
-          </a:p>
-          <a:p>
-            <a:pPr marL="465887" lvl="3" defTabSz="931774">
-              <a:defRPr/>
-            </a:pPr>
-            <a:r>
-              <a:rPr lang="en-US" dirty="0" smtClean="0"/>
-              <a:t>	{{</a:t>
-            </a:r>
-            <a:r>
-              <a:rPr lang="en-US" dirty="0" err="1" smtClean="0"/>
-              <a:t>service.getDate</a:t>
-            </a:r>
-            <a:r>
-              <a:rPr lang="en-US" dirty="0" smtClean="0"/>
-              <a:t>();}}</a:t>
-            </a:r>
-          </a:p>
-          <a:p>
-            <a:pPr marL="465887" lvl="3" defTabSz="931774">
-              <a:defRPr/>
-            </a:pPr>
-            <a:r>
-              <a:rPr lang="en-US" dirty="0" smtClean="0"/>
-              <a:t>(*notice service</a:t>
-            </a:r>
-            <a:r>
-              <a:rPr lang="en-US" baseline="0" dirty="0" smtClean="0"/>
-              <a:t> method </a:t>
-            </a:r>
-            <a:r>
-              <a:rPr lang="en-US" dirty="0" err="1" smtClean="0"/>
-              <a:t>service.getDate</a:t>
-            </a:r>
-            <a:r>
-              <a:rPr lang="en-US" dirty="0" smtClean="0"/>
-              <a:t>() </a:t>
-            </a:r>
-            <a:r>
-              <a:rPr lang="en-US" baseline="0" dirty="0" smtClean="0"/>
-              <a:t>called directly in template)</a:t>
-            </a:r>
-            <a:endParaRPr lang="en-US" dirty="0" smtClean="0"/>
-          </a:p>
-          <a:p>
-            <a:pPr marL="291179" lvl="2" indent="-291179" defTabSz="931774">
-              <a:buFont typeface="+mj-lt"/>
-              <a:buAutoNum type="romanUcPeriod"/>
-              <a:defRPr/>
-            </a:pPr>
-            <a:endParaRPr lang="en-US" dirty="0" smtClean="0"/>
-          </a:p>
-          <a:p>
-            <a:pPr marL="291179" lvl="2" indent="-291179" defTabSz="931774">
-              <a:buFont typeface="+mj-lt"/>
-              <a:buAutoNum type="romanUcPeriod"/>
-              <a:defRPr/>
-            </a:pPr>
-            <a:r>
-              <a:rPr lang="en-US" dirty="0" smtClean="0"/>
-              <a:t>Complex</a:t>
-            </a:r>
-            <a:r>
-              <a:rPr lang="en-US" baseline="0" dirty="0" smtClean="0"/>
-              <a:t> Binding</a:t>
-            </a:r>
-          </a:p>
-          <a:p>
-            <a:pPr marL="698830" lvl="3" indent="-232943" defTabSz="931774">
-              <a:buFont typeface="+mj-lt"/>
-              <a:buAutoNum type="arabicPeriod"/>
-              <a:defRPr/>
-            </a:pPr>
-            <a:r>
-              <a:rPr lang="en-US" dirty="0"/>
-              <a:t>App.js =&gt;</a:t>
-            </a:r>
-          </a:p>
-          <a:p>
-            <a:pPr marL="1164717" lvl="4" indent="-232943" defTabSz="931774">
-              <a:buFont typeface="+mj-lt"/>
-              <a:buAutoNum type="alphaLcPeriod"/>
-              <a:defRPr/>
-            </a:pPr>
-            <a:r>
-              <a:rPr lang="en-US" dirty="0" err="1" smtClean="0"/>
-              <a:t>app.controller</a:t>
-            </a:r>
-            <a:r>
-              <a:rPr lang="en-US" dirty="0" smtClean="0"/>
-              <a:t>(</a:t>
-            </a:r>
-            <a:r>
-              <a:rPr lang="en-US" dirty="0"/>
-              <a:t>'</a:t>
-            </a:r>
-            <a:r>
-              <a:rPr lang="en-US" dirty="0" err="1"/>
-              <a:t>ctrlRead</a:t>
-            </a:r>
-            <a:r>
-              <a:rPr lang="en-US" dirty="0"/>
-              <a:t>'</a:t>
-            </a:r>
-            <a:r>
-              <a:rPr lang="en-US" dirty="0" smtClean="0"/>
-              <a:t> </a:t>
-            </a:r>
-          </a:p>
-          <a:p>
-            <a:pPr marL="1164717" lvl="4" indent="-232943" defTabSz="931774">
-              <a:buFont typeface="+mj-lt"/>
-              <a:buAutoNum type="alphaLcPeriod"/>
-              <a:defRPr/>
-            </a:pPr>
-            <a:r>
-              <a:rPr lang="en-US" dirty="0" smtClean="0"/>
-              <a:t>$</a:t>
-            </a:r>
-            <a:r>
-              <a:rPr lang="en-US" dirty="0" err="1" smtClean="0"/>
-              <a:t>scope.pagedItems</a:t>
-            </a:r>
-            <a:r>
-              <a:rPr lang="en-US" dirty="0" smtClean="0"/>
-              <a:t> </a:t>
-            </a:r>
-          </a:p>
-          <a:p>
-            <a:pPr marL="931774" lvl="4" defTabSz="931774">
-              <a:defRPr/>
-            </a:pPr>
-            <a:endParaRPr lang="en-US" dirty="0"/>
-          </a:p>
-          <a:p>
-            <a:pPr marL="698830" lvl="3" indent="-232943" defTabSz="931774">
-              <a:buFont typeface="+mj-lt"/>
-              <a:buAutoNum type="arabicPeriod" startAt="2"/>
-              <a:defRPr/>
-            </a:pPr>
-            <a:r>
-              <a:rPr lang="en-US" dirty="0"/>
-              <a:t>Tables.html =&gt; </a:t>
-            </a:r>
-          </a:p>
-          <a:p>
-            <a:pPr marL="1164717" lvl="4" indent="-232943" defTabSz="931774">
-              <a:buFont typeface="+mj-lt"/>
-              <a:buAutoNum type="alphaLcPeriod"/>
-              <a:defRPr/>
-            </a:pPr>
-            <a:r>
-              <a:rPr lang="en-US" dirty="0"/>
-              <a:t>Table with ng-repeat Example :-&gt;</a:t>
-            </a:r>
-          </a:p>
-          <a:p>
-            <a:pPr marL="1630604" lvl="5" indent="-232943" defTabSz="931774">
-              <a:buFont typeface="+mj-lt"/>
-              <a:buAutoNum type="alphaLcPeriod"/>
-              <a:defRPr/>
-            </a:pPr>
-            <a:r>
-              <a:rPr lang="en-US" dirty="0"/>
-              <a:t>ng-repeat="item in </a:t>
-            </a:r>
-            <a:r>
-              <a:rPr lang="en-US" dirty="0" err="1"/>
-              <a:t>pagedItems</a:t>
-            </a:r>
-            <a:r>
-              <a:rPr lang="en-US" dirty="0"/>
-              <a:t>[</a:t>
-            </a:r>
-            <a:r>
-              <a:rPr lang="en-US" dirty="0" err="1"/>
-              <a:t>currentPage</a:t>
-            </a:r>
-            <a:r>
-              <a:rPr lang="en-US" dirty="0"/>
-              <a:t>]  | filter: </a:t>
-            </a:r>
-            <a:r>
-              <a:rPr lang="en-US" dirty="0" err="1"/>
-              <a:t>searchStatus</a:t>
-            </a:r>
-            <a:r>
-              <a:rPr lang="en-US" dirty="0"/>
-              <a:t> | </a:t>
-            </a:r>
-            <a:r>
-              <a:rPr lang="en-US" dirty="0" err="1"/>
-              <a:t>orderBy:sort.sortingOrder:sort.reverse</a:t>
-            </a:r>
-            <a:r>
-              <a:rPr lang="en-US" dirty="0"/>
-              <a:t>"</a:t>
-            </a:r>
-            <a:r>
-              <a:rPr lang="en-US" dirty="0" smtClean="0"/>
-              <a:t> </a:t>
-            </a:r>
-          </a:p>
-          <a:p>
-            <a:pPr marL="931774" lvl="4" defTabSz="931774">
-              <a:defRPr/>
-            </a:pPr>
-            <a:r>
-              <a:rPr lang="en-US" baseline="0" dirty="0" smtClean="0"/>
-              <a:t>	(* show DOJO example in getstats on how difficult)</a:t>
-            </a:r>
-            <a:endParaRPr lang="en-US" dirty="0" smtClean="0"/>
-          </a:p>
-          <a:p>
-            <a:pPr marL="1164717" lvl="4" indent="-232943" defTabSz="931774">
-              <a:buFont typeface="+mj-lt"/>
-              <a:buAutoNum type="alphaLcPeriod"/>
-              <a:defRPr/>
-            </a:pPr>
-            <a:endParaRPr lang="en-US" dirty="0"/>
-          </a:p>
-          <a:p>
-            <a:pPr marL="1164717" lvl="4" indent="-232943" defTabSz="931774">
-              <a:buFont typeface="+mj-lt"/>
-              <a:buAutoNum type="alphaLcPeriod"/>
-              <a:defRPr/>
-            </a:pPr>
-            <a:r>
-              <a:rPr lang="en-US" dirty="0"/>
-              <a:t>Tooltip with ng-class binding Example :-&gt;</a:t>
-            </a:r>
-          </a:p>
-          <a:p>
-            <a:pPr marL="1630604" lvl="5" indent="-232943" defTabSz="931774">
-              <a:buFont typeface="+mj-lt"/>
-              <a:buAutoNum type="alphaLcPeriod"/>
-              <a:defRPr/>
-            </a:pPr>
-            <a:r>
-              <a:rPr lang="en-US" dirty="0"/>
-              <a:t>ng-class="{'text-danger':</a:t>
-            </a:r>
-            <a:r>
-              <a:rPr lang="en-US" dirty="0" err="1"/>
-              <a:t>item.Status</a:t>
-            </a:r>
-            <a:r>
-              <a:rPr lang="en-US" dirty="0"/>
-              <a:t> == 'failed', 'text-success':</a:t>
-            </a:r>
-            <a:r>
-              <a:rPr lang="en-US" dirty="0" err="1"/>
-              <a:t>item.Status</a:t>
-            </a:r>
-            <a:r>
-              <a:rPr lang="en-US" dirty="0"/>
-              <a:t> == 'success' }"</a:t>
-            </a:r>
-            <a:r>
-              <a:rPr lang="en-US" dirty="0" smtClean="0"/>
-              <a:t> </a:t>
-            </a:r>
-          </a:p>
-          <a:p>
-            <a:pPr marL="931774" lvl="4" defTabSz="931774">
-              <a:defRPr/>
-            </a:pPr>
-            <a:r>
-              <a:rPr lang="en-US" dirty="0" smtClean="0"/>
-              <a:t>	(*show tooltip under Status table)</a:t>
-            </a:r>
-          </a:p>
-          <a:p>
-            <a:pPr defTabSz="931774">
-              <a:defRPr/>
-            </a:pPr>
-            <a:endParaRPr lang="en-US" dirty="0" smtClean="0"/>
-          </a:p>
-          <a:p>
-            <a:pPr defTabSz="931774">
-              <a:defRPr/>
-            </a:pPr>
-            <a:endParaRPr lang="en-US" dirty="0" smtClean="0"/>
-          </a:p>
-          <a:p>
-            <a:pPr defTabSz="931774">
-              <a:defRPr/>
-            </a:pPr>
-            <a:endParaRPr lang="en-US" dirty="0" smtClean="0"/>
-          </a:p>
-          <a:p>
-            <a:pPr defTabSz="931774">
-              <a:defRPr/>
-            </a:pPr>
-            <a:endParaRPr lang="en-US" dirty="0"/>
+            <a:endParaRPr lang="en-US"/>
           </a:p>
         </p:txBody>
       </p:sp>
@@ -2309,397 +1748,13 @@
             <a:fld id="{3FAA1779-64C4-4CFB-99B1-C1FE11C03E56}" type="slidenum">
               <a:rPr lang="en-US" smtClean="0"/>
               <a:pPr/>
-              <a:t>10</a:t>
+              <a:t>13</a:t>
             </a:fld>
             <a:endParaRPr lang="en-US"/>
           </a:p>
         </p:txBody>
       </p:sp>
     </p:spTree>
-    <p:extLst>
-      <p:ext uri="{BB962C8B-B14F-4D97-AF65-F5344CB8AC3E}">
-        <p14:creationId xmlns:p14="http://schemas.microsoft.com/office/powerpoint/2010/main" xmlns="" val="2273667320"/>
-      </p:ext>
-    </p:extLst>
-  </p:cSld>
-  <p:clrMapOvr>
-    <a:masterClrMapping/>
-  </p:clrMapOvr>
-</p:notes>
-</file>
-
-<file path=ppt/notesSlides/notesSlide8.xml><?xml version="1.0" encoding="utf-8"?>
-<p:notes xmlns:a="http://schemas.openxmlformats.org/drawingml/2006/main" xmlns:r="http://schemas.openxmlformats.org/officeDocument/2006/relationships" xmlns:p="http://schemas.openxmlformats.org/presentationml/2006/main">
-  <p:cSld>
-    <p:spTree>
-      <p:nvGrpSpPr>
-        <p:cNvPr id="1" name=""/>
-        <p:cNvGrpSpPr/>
-        <p:nvPr/>
-      </p:nvGrpSpPr>
-      <p:grpSpPr>
-        <a:xfrm>
-          <a:off x="0" y="0"/>
-          <a:ext cx="0" cy="0"/>
-          <a:chOff x="0" y="0"/>
-          <a:chExt cx="0" cy="0"/>
-        </a:xfrm>
-      </p:grpSpPr>
-      <p:sp>
-        <p:nvSpPr>
-          <p:cNvPr id="2" name="Slide Image Placeholder 1"/>
-          <p:cNvSpPr>
-            <a:spLocks noGrp="1" noRot="1" noChangeAspect="1"/>
-          </p:cNvSpPr>
-          <p:nvPr>
-            <p:ph type="sldImg"/>
-          </p:nvPr>
-        </p:nvSpPr>
-        <p:spPr/>
-      </p:sp>
-      <p:sp>
-        <p:nvSpPr>
-          <p:cNvPr id="3" name="Notes Placeholder 2"/>
-          <p:cNvSpPr>
-            <a:spLocks noGrp="1"/>
-          </p:cNvSpPr>
-          <p:nvPr>
-            <p:ph type="body" idx="1"/>
-          </p:nvPr>
-        </p:nvSpPr>
-        <p:spPr/>
-        <p:txBody>
-          <a:bodyPr/>
-          <a:lstStyle/>
-          <a:p>
-            <a:pPr defTabSz="931774">
-              <a:defRPr/>
-            </a:pPr>
-            <a:r>
-              <a:rPr lang="en-US" b="1" dirty="0"/>
-              <a:t>$http =&gt; </a:t>
-            </a:r>
-            <a:r>
-              <a:rPr lang="en-US" dirty="0" smtClean="0"/>
-              <a:t>The $http service is a core Angular service that facilitates communication with the remote HTTP servers via the browser's </a:t>
-            </a:r>
-            <a:r>
-              <a:rPr lang="en-US" dirty="0" err="1" smtClean="0">
-                <a:hlinkClick r:id="rId3"/>
-              </a:rPr>
-              <a:t>XMLHttpRequest</a:t>
-            </a:r>
-            <a:r>
-              <a:rPr lang="en-US" dirty="0" smtClean="0"/>
-              <a:t> object or via </a:t>
-            </a:r>
-            <a:r>
-              <a:rPr lang="en-US" dirty="0" smtClean="0">
-                <a:hlinkClick r:id="rId4"/>
-              </a:rPr>
-              <a:t>JSONP</a:t>
-            </a:r>
-            <a:r>
-              <a:rPr lang="en-US" dirty="0" smtClean="0"/>
-              <a:t>.</a:t>
-            </a:r>
-          </a:p>
-          <a:p>
-            <a:pPr defTabSz="931774">
-              <a:defRPr/>
-            </a:pPr>
-            <a:endParaRPr lang="en-US" dirty="0" smtClean="0"/>
-          </a:p>
-          <a:p>
-            <a:pPr marL="232943" indent="-232943" defTabSz="931774">
-              <a:buFont typeface="+mj-lt"/>
-              <a:buAutoNum type="arabicPeriod"/>
-              <a:defRPr/>
-            </a:pPr>
-            <a:r>
-              <a:rPr lang="en-US" baseline="0" dirty="0" smtClean="0"/>
-              <a:t>app.js  (reference </a:t>
-            </a:r>
-            <a:r>
-              <a:rPr lang="en-US" dirty="0"/>
-              <a:t>"$http"</a:t>
-            </a:r>
-            <a:r>
-              <a:rPr lang="en-US" dirty="0" smtClean="0"/>
-              <a:t> )</a:t>
-            </a:r>
-          </a:p>
-          <a:p>
-            <a:pPr marL="465887" lvl="1" defTabSz="931774">
-              <a:defRPr/>
-            </a:pPr>
-            <a:r>
-              <a:rPr lang="en-US" dirty="0" err="1"/>
-              <a:t>var</a:t>
-            </a:r>
-            <a:r>
-              <a:rPr lang="en-US" dirty="0" smtClean="0"/>
-              <a:t> request = $http({ </a:t>
-            </a:r>
-          </a:p>
-          <a:p>
-            <a:pPr marL="640594" lvl="1" indent="-174708" defTabSz="931774">
-              <a:buFont typeface="Arial" panose="020B0604020202020204" pitchFamily="34" charset="0"/>
-              <a:buChar char="•"/>
-              <a:defRPr/>
-            </a:pPr>
-            <a:r>
-              <a:rPr lang="en-US" dirty="0" err="1" smtClean="0"/>
-              <a:t>request.success</a:t>
-            </a:r>
-            <a:r>
-              <a:rPr lang="en-US" dirty="0" smtClean="0"/>
-              <a:t>( </a:t>
-            </a:r>
-          </a:p>
-          <a:p>
-            <a:pPr marL="640594" lvl="1" indent="-174708" defTabSz="931774">
-              <a:buFont typeface="Arial" panose="020B0604020202020204" pitchFamily="34" charset="0"/>
-              <a:buChar char="•"/>
-              <a:defRPr/>
-            </a:pPr>
-            <a:r>
-              <a:rPr lang="en-US" dirty="0" err="1" smtClean="0"/>
-              <a:t>request.error</a:t>
-            </a:r>
-            <a:r>
-              <a:rPr lang="en-US" dirty="0" smtClean="0"/>
-              <a:t>( </a:t>
-            </a:r>
-          </a:p>
-          <a:p>
-            <a:pPr defTabSz="931774">
-              <a:defRPr/>
-            </a:pPr>
-            <a:endParaRPr lang="en-US" dirty="0" smtClean="0"/>
-          </a:p>
-          <a:p>
-            <a:pPr defTabSz="931774">
-              <a:defRPr/>
-            </a:pPr>
-            <a:r>
-              <a:rPr lang="en-US" b="1" dirty="0" smtClean="0"/>
-              <a:t>Filters =&gt;</a:t>
-            </a:r>
-          </a:p>
-          <a:p>
-            <a:pPr marL="232943" indent="-232943" defTabSz="931774">
-              <a:buFont typeface="+mj-lt"/>
-              <a:buAutoNum type="arabicPeriod"/>
-              <a:defRPr/>
-            </a:pPr>
-            <a:r>
-              <a:rPr lang="en-US" baseline="0" dirty="0" smtClean="0"/>
-              <a:t>app.js </a:t>
-            </a:r>
-            <a:endParaRPr lang="en-US" dirty="0" smtClean="0"/>
-          </a:p>
-          <a:p>
-            <a:pPr marL="698830" lvl="1" indent="-232943" defTabSz="931774">
-              <a:buFont typeface="Arial" panose="020B0604020202020204" pitchFamily="34" charset="0"/>
-              <a:buChar char="•"/>
-              <a:defRPr/>
-            </a:pPr>
-            <a:r>
-              <a:rPr lang="en-US" dirty="0" err="1" smtClean="0"/>
-              <a:t>app.filter</a:t>
-            </a:r>
-            <a:r>
-              <a:rPr lang="en-US" dirty="0" smtClean="0"/>
-              <a:t>(</a:t>
-            </a:r>
-            <a:r>
-              <a:rPr lang="en-US" dirty="0"/>
-              <a:t>'</a:t>
-            </a:r>
-            <a:r>
-              <a:rPr lang="en-US" dirty="0" err="1"/>
-              <a:t>uniqueByValue</a:t>
-            </a:r>
-            <a:r>
-              <a:rPr lang="en-US" dirty="0"/>
-              <a:t>'</a:t>
-            </a:r>
-            <a:r>
-              <a:rPr lang="en-US" dirty="0" smtClean="0"/>
-              <a:t> </a:t>
-            </a:r>
-          </a:p>
-          <a:p>
-            <a:pPr marL="698830" lvl="1" indent="-232943" defTabSz="931774">
-              <a:buFont typeface="Arial" panose="020B0604020202020204" pitchFamily="34" charset="0"/>
-              <a:buChar char="•"/>
-              <a:defRPr/>
-            </a:pPr>
-            <a:r>
-              <a:rPr lang="en-US" dirty="0" err="1"/>
-              <a:t>var</a:t>
-            </a:r>
-            <a:r>
-              <a:rPr lang="en-US" dirty="0" smtClean="0"/>
-              <a:t> </a:t>
-            </a:r>
-            <a:r>
-              <a:rPr lang="en-US" dirty="0" err="1" smtClean="0"/>
-              <a:t>distinctFailedCount</a:t>
-            </a:r>
-            <a:r>
-              <a:rPr lang="en-US" dirty="0" smtClean="0"/>
-              <a:t> = $filter(</a:t>
-            </a:r>
-            <a:r>
-              <a:rPr lang="en-US" dirty="0"/>
-              <a:t>'</a:t>
-            </a:r>
-            <a:r>
-              <a:rPr lang="en-US" dirty="0" err="1"/>
-              <a:t>uniqueByValue</a:t>
-            </a:r>
-            <a:r>
-              <a:rPr lang="en-US" dirty="0"/>
-              <a:t>'</a:t>
-            </a:r>
-            <a:r>
-              <a:rPr lang="en-US" dirty="0" smtClean="0"/>
-              <a:t>)(results, </a:t>
-            </a:r>
-            <a:r>
-              <a:rPr lang="en-US" dirty="0"/>
-              <a:t>"Status"</a:t>
-            </a:r>
-            <a:r>
-              <a:rPr lang="en-US" dirty="0" smtClean="0"/>
-              <a:t>, </a:t>
-            </a:r>
-            <a:r>
-              <a:rPr lang="en-US" dirty="0"/>
-              <a:t>"failed"</a:t>
-            </a:r>
-            <a:r>
-              <a:rPr lang="en-US" dirty="0" smtClean="0"/>
-              <a:t>);  </a:t>
-            </a:r>
-          </a:p>
-          <a:p>
-            <a:pPr marL="465887" lvl="1" defTabSz="931774">
-              <a:defRPr/>
-            </a:pPr>
-            <a:endParaRPr lang="en-US" b="1" dirty="0" smtClean="0"/>
-          </a:p>
-          <a:p>
-            <a:pPr marL="465887" lvl="1" defTabSz="931774">
-              <a:defRPr/>
-            </a:pPr>
-            <a:r>
-              <a:rPr lang="en-US" b="1" dirty="0" smtClean="0"/>
-              <a:t>Config =&gt;</a:t>
-            </a:r>
-            <a:endParaRPr lang="en-US" dirty="0" smtClean="0"/>
-          </a:p>
-          <a:p>
-            <a:pPr marL="465887" lvl="1" defTabSz="931774">
-              <a:defRPr/>
-            </a:pPr>
-            <a:r>
-              <a:rPr lang="en-US" dirty="0" smtClean="0"/>
-              <a:t>Configures routes</a:t>
-            </a:r>
-            <a:r>
-              <a:rPr lang="en-US" baseline="0" dirty="0" smtClean="0"/>
-              <a:t> (switching between views).</a:t>
-            </a:r>
-          </a:p>
-          <a:p>
-            <a:pPr marL="698830" lvl="1" indent="-232943" defTabSz="931774">
-              <a:buFont typeface="+mj-lt"/>
-              <a:buAutoNum type="arabicPeriod"/>
-              <a:defRPr/>
-            </a:pPr>
-            <a:r>
-              <a:rPr lang="en-US" baseline="0" dirty="0" smtClean="0"/>
-              <a:t>app.js</a:t>
-            </a:r>
-            <a:endParaRPr lang="en-US" dirty="0" smtClean="0"/>
-          </a:p>
-          <a:p>
-            <a:pPr marL="465887" lvl="1" defTabSz="931774">
-              <a:defRPr/>
-            </a:pPr>
-            <a:r>
-              <a:rPr lang="en-US" baseline="0" dirty="0" smtClean="0"/>
-              <a:t> 	</a:t>
-            </a:r>
-            <a:r>
-              <a:rPr lang="en-US" dirty="0" err="1" smtClean="0"/>
-              <a:t>angular.module</a:t>
-            </a:r>
-            <a:r>
-              <a:rPr lang="en-US" dirty="0" smtClean="0"/>
-              <a:t>(</a:t>
-            </a:r>
-            <a:r>
-              <a:rPr lang="en-US" dirty="0"/>
-              <a:t>"getstats"</a:t>
-            </a:r>
-            <a:r>
-              <a:rPr lang="en-US" dirty="0" smtClean="0"/>
-              <a:t>).config([</a:t>
-            </a:r>
-            <a:r>
-              <a:rPr lang="en-US" dirty="0"/>
-              <a:t>"$</a:t>
-            </a:r>
-            <a:r>
-              <a:rPr lang="en-US" dirty="0" err="1"/>
-              <a:t>stateProvider</a:t>
-            </a:r>
-            <a:r>
-              <a:rPr lang="en-US" dirty="0"/>
-              <a:t>"</a:t>
-            </a:r>
-            <a:r>
-              <a:rPr lang="en-US" dirty="0" smtClean="0"/>
-              <a:t>, </a:t>
-            </a:r>
-            <a:endParaRPr lang="en-US" dirty="0"/>
-          </a:p>
-        </p:txBody>
-      </p:sp>
-      <p:sp>
-        <p:nvSpPr>
-          <p:cNvPr id="4" name="Slide Number Placeholder 3"/>
-          <p:cNvSpPr>
-            <a:spLocks noGrp="1"/>
-          </p:cNvSpPr>
-          <p:nvPr>
-            <p:ph type="sldNum" sz="quarter" idx="10"/>
-          </p:nvPr>
-        </p:nvSpPr>
-        <p:spPr/>
-        <p:txBody>
-          <a:bodyPr/>
-          <a:lstStyle/>
-          <a:p>
-            <a:fld id="{3FAA1779-64C4-4CFB-99B1-C1FE11C03E56}" type="slidenum">
-              <a:rPr lang="en-US" smtClean="0"/>
-              <a:pPr/>
-              <a:t>11</a:t>
-            </a:fld>
-            <a:endParaRPr lang="en-US"/>
-          </a:p>
-        </p:txBody>
-      </p:sp>
-    </p:spTree>
-    <p:extLst>
-      <p:ext uri="{BB962C8B-B14F-4D97-AF65-F5344CB8AC3E}">
-        <p14:creationId xmlns:p14="http://schemas.microsoft.com/office/powerpoint/2010/main" xmlns="" val="2273667320"/>
-      </p:ext>
-    </p:extLst>
   </p:cSld>
   <p:clrMapOvr>
     <a:masterClrMapping/>
@@ -3333,7 +2388,7 @@
             <a:fld id="{FF96E8C7-0ADA-40C3-8D1E-BF77A6BCCE6E}" type="datetimeFigureOut">
               <a:rPr lang="en-US" smtClean="0"/>
               <a:pPr/>
-              <a:t>2/19/2016</a:t>
+              <a:t>2/21/2016</a:t>
             </a:fld>
             <a:endParaRPr lang="en-US"/>
           </a:p>
@@ -3531,7 +2586,7 @@
             <a:fld id="{FF96E8C7-0ADA-40C3-8D1E-BF77A6BCCE6E}" type="datetimeFigureOut">
               <a:rPr lang="en-US" smtClean="0"/>
               <a:pPr/>
-              <a:t>2/19/2016</a:t>
+              <a:t>2/21/2016</a:t>
             </a:fld>
             <a:endParaRPr lang="en-US"/>
           </a:p>
@@ -3718,7 +2773,7 @@
             <a:fld id="{FF96E8C7-0ADA-40C3-8D1E-BF77A6BCCE6E}" type="datetimeFigureOut">
               <a:rPr lang="en-US" smtClean="0"/>
               <a:pPr/>
-              <a:t>2/19/2016</a:t>
+              <a:t>2/21/2016</a:t>
             </a:fld>
             <a:endParaRPr lang="en-US"/>
           </a:p>
@@ -3870,7 +2925,7 @@
             <a:fld id="{FF96E8C7-0ADA-40C3-8D1E-BF77A6BCCE6E}" type="datetimeFigureOut">
               <a:rPr lang="en-US" smtClean="0"/>
               <a:pPr/>
-              <a:t>2/19/2016</a:t>
+              <a:t>2/21/2016</a:t>
             </a:fld>
             <a:endParaRPr lang="en-US"/>
           </a:p>
@@ -4127,7 +3182,7 @@
             <a:fld id="{FF96E8C7-0ADA-40C3-8D1E-BF77A6BCCE6E}" type="datetimeFigureOut">
               <a:rPr lang="en-US" smtClean="0"/>
               <a:pPr/>
-              <a:t>2/19/2016</a:t>
+              <a:t>2/21/2016</a:t>
             </a:fld>
             <a:endParaRPr lang="en-US"/>
           </a:p>
@@ -4538,7 +3593,7 @@
             <a:fld id="{FF96E8C7-0ADA-40C3-8D1E-BF77A6BCCE6E}" type="datetimeFigureOut">
               <a:rPr lang="en-US" smtClean="0"/>
               <a:pPr/>
-              <a:t>2/19/2016</a:t>
+              <a:t>2/21/2016</a:t>
             </a:fld>
             <a:endParaRPr lang="en-US"/>
           </a:p>
@@ -4986,7 +4041,7 @@
             <a:fld id="{FF96E8C7-0ADA-40C3-8D1E-BF77A6BCCE6E}" type="datetimeFigureOut">
               <a:rPr lang="en-US" smtClean="0"/>
               <a:pPr/>
-              <a:t>2/19/2016</a:t>
+              <a:t>2/21/2016</a:t>
             </a:fld>
             <a:endParaRPr lang="en-US"/>
           </a:p>
@@ -5089,7 +4144,7 @@
             <a:fld id="{FF96E8C7-0ADA-40C3-8D1E-BF77A6BCCE6E}" type="datetimeFigureOut">
               <a:rPr lang="en-US" smtClean="0"/>
               <a:pPr/>
-              <a:t>2/19/2016</a:t>
+              <a:t>2/21/2016</a:t>
             </a:fld>
             <a:endParaRPr lang="en-US"/>
           </a:p>
@@ -5212,7 +4267,7 @@
             <a:fld id="{FF96E8C7-0ADA-40C3-8D1E-BF77A6BCCE6E}" type="datetimeFigureOut">
               <a:rPr lang="en-US" smtClean="0"/>
               <a:pPr/>
-              <a:t>2/19/2016</a:t>
+              <a:t>2/21/2016</a:t>
             </a:fld>
             <a:endParaRPr lang="en-US"/>
           </a:p>
@@ -5488,7 +4543,7 @@
             <a:fld id="{FF96E8C7-0ADA-40C3-8D1E-BF77A6BCCE6E}" type="datetimeFigureOut">
               <a:rPr lang="en-US" smtClean="0"/>
               <a:pPr/>
-              <a:t>2/19/2016</a:t>
+              <a:t>2/21/2016</a:t>
             </a:fld>
             <a:endParaRPr lang="en-US"/>
           </a:p>
@@ -5695,7 +4750,7 @@
             <a:fld id="{FF96E8C7-0ADA-40C3-8D1E-BF77A6BCCE6E}" type="datetimeFigureOut">
               <a:rPr lang="en-US" smtClean="0"/>
               <a:pPr/>
-              <a:t>2/19/2016</a:t>
+              <a:t>2/21/2016</a:t>
             </a:fld>
             <a:endParaRPr lang="en-US"/>
           </a:p>
@@ -6806,7 +5861,7 @@
             <a:fld id="{FF96E8C7-0ADA-40C3-8D1E-BF77A6BCCE6E}" type="datetimeFigureOut">
               <a:rPr lang="en-US" smtClean="0"/>
               <a:pPr/>
-              <a:t>2/19/2016</a:t>
+              <a:t>2/21/2016</a:t>
             </a:fld>
             <a:endParaRPr lang="en-US"/>
           </a:p>
@@ -7226,7 +6281,7 @@
           <a:blip r:embed="rId3" cstate="print">
             <a:extLst>
               <a:ext uri="{28A0092B-C50C-407E-A947-70E740481C1C}">
-                <a14:useLocalDpi xmlns:a14="http://schemas.microsoft.com/office/drawing/2010/main" xmlns="" val="0"/>
+                <a14:useLocalDpi xmlns="" xmlns:a14="http://schemas.microsoft.com/office/drawing/2010/main" val="0"/>
               </a:ext>
             </a:extLst>
           </a:blip>
@@ -7271,7 +6326,6 @@
               <a:rPr lang="en-US" dirty="0" smtClean="0"/>
               <a:t>Presented by </a:t>
             </a:r>
-            <a:endParaRPr lang="en-US" dirty="0" smtClean="0"/>
           </a:p>
           <a:p>
             <a:pPr algn="ctr"/>
@@ -7296,11 +6350,7 @@
             <a:pPr algn="ctr"/>
             <a:r>
               <a:rPr lang="en-US" sz="2800" dirty="0" smtClean="0"/>
-              <a:t>G</a:t>
-            </a:r>
-            <a:r>
-              <a:rPr lang="en-US" sz="2800" dirty="0" smtClean="0"/>
-              <a:t>eospatial Developer</a:t>
+              <a:t>Geospatial Developer</a:t>
             </a:r>
             <a:endParaRPr lang="en-US" sz="2800" dirty="0"/>
           </a:p>
@@ -7309,7 +6359,7 @@
     </p:spTree>
     <p:extLst>
       <p:ext uri="{BB962C8B-B14F-4D97-AF65-F5344CB8AC3E}">
-        <p14:creationId xmlns:p14="http://schemas.microsoft.com/office/powerpoint/2010/main" xmlns="" val="3784168607"/>
+        <p14:creationId xmlns="" xmlns:p14="http://schemas.microsoft.com/office/powerpoint/2010/main" val="3784168607"/>
       </p:ext>
     </p:extLst>
   </p:cSld>
@@ -7701,172 +6751,82 @@
       </p:grpSpPr>
       <p:sp>
         <p:nvSpPr>
-          <p:cNvPr id="2" name="Title 1"/>
-          <p:cNvSpPr>
-            <a:spLocks noGrp="1"/>
-          </p:cNvSpPr>
-          <p:nvPr>
-            <p:ph type="ctrTitle"/>
-          </p:nvPr>
-        </p:nvSpPr>
-        <p:spPr>
-          <a:xfrm>
-            <a:off x="609600" y="304800"/>
-            <a:ext cx="7772400" cy="685800"/>
-          </a:xfrm>
-        </p:spPr>
-        <p:txBody>
-          <a:bodyPr>
-            <a:normAutofit fontScale="90000"/>
-          </a:bodyPr>
+          <p:cNvPr id="2" name="Content Placeholder 1"/>
+          <p:cNvSpPr>
+            <a:spLocks noGrp="1"/>
+          </p:cNvSpPr>
+          <p:nvPr>
+            <p:ph idx="1"/>
+          </p:nvPr>
+        </p:nvSpPr>
+        <p:spPr/>
+        <p:txBody>
+          <a:bodyPr/>
           <a:lstStyle/>
           <a:p>
-            <a:r>
-              <a:rPr lang="en-US" dirty="0" smtClean="0"/>
-              <a:t>Binding - MVC</a:t>
-            </a:r>
-            <a:endParaRPr lang="en-US" dirty="0"/>
-          </a:p>
-        </p:txBody>
-      </p:sp>
-      <p:sp>
-        <p:nvSpPr>
-          <p:cNvPr id="3" name="Subtitle 2"/>
-          <p:cNvSpPr>
-            <a:spLocks noGrp="1"/>
-          </p:cNvSpPr>
-          <p:nvPr>
-            <p:ph type="subTitle" idx="1"/>
-          </p:nvPr>
-        </p:nvSpPr>
-        <p:spPr>
-          <a:xfrm>
-            <a:off x="533400" y="1066800"/>
-            <a:ext cx="8001000" cy="4343400"/>
-          </a:xfrm>
-        </p:spPr>
-        <p:txBody>
-          <a:bodyPr>
-            <a:normAutofit fontScale="92500"/>
-          </a:bodyPr>
-          <a:lstStyle/>
-          <a:p>
-            <a:pPr marL="457200" indent="-457200" algn="l">
+            <a:pPr marL="457200" indent="-457200">
               <a:buFont typeface="Arial" panose="020B0604020202020204" pitchFamily="34" charset="0"/>
               <a:buChar char="•"/>
             </a:pPr>
             <a:r>
               <a:rPr lang="en-US" dirty="0" smtClean="0"/>
-              <a:t>Data Binding </a:t>
-            </a:r>
-          </a:p>
-          <a:p>
-            <a:pPr marL="914400" lvl="1" indent="-457200" algn="l">
+              <a:t>RootScope </a:t>
+            </a:r>
+          </a:p>
+          <a:p>
+            <a:pPr marL="914400" lvl="1" indent="-457200">
               <a:buFont typeface="Arial" panose="020B0604020202020204" pitchFamily="34" charset="0"/>
               <a:buChar char="•"/>
             </a:pPr>
             <a:r>
               <a:rPr lang="en-US" dirty="0" smtClean="0"/>
-              <a:t>ng-model, ng-bind, ng-show, ng-repeat</a:t>
-            </a:r>
-          </a:p>
-          <a:p>
-            <a:pPr marL="457200" indent="-457200" algn="l">
+              <a:t>Scopes provide separation between the model and the view, via a mechanism for watching the model for changes</a:t>
+            </a:r>
+            <a:r>
+              <a:rPr lang="en-US" dirty="0" smtClean="0"/>
+              <a:t>.</a:t>
+            </a:r>
+          </a:p>
+          <a:p>
+            <a:pPr marL="914400" lvl="1" indent="-457200">
               <a:buFont typeface="Arial" panose="020B0604020202020204" pitchFamily="34" charset="0"/>
               <a:buChar char="•"/>
             </a:pPr>
             <a:r>
-              <a:rPr lang="en-US" dirty="0"/>
-              <a:t>ng-model - </a:t>
-            </a:r>
-            <a:r>
-              <a:rPr lang="en-US" sz="2800" dirty="0"/>
-              <a:t>Creates a two-way data binding.</a:t>
-            </a:r>
-          </a:p>
-          <a:p>
-            <a:pPr marL="457200" indent="-457200" algn="l">
-              <a:buFont typeface="Arial" panose="020B0604020202020204" pitchFamily="34" charset="0"/>
-              <a:buChar char="•"/>
-            </a:pPr>
-            <a:r>
-              <a:rPr lang="en-US" dirty="0" smtClean="0"/>
-              <a:t>ng-bind</a:t>
-            </a:r>
-            <a:r>
-              <a:rPr lang="en-US" dirty="0"/>
-              <a:t> – </a:t>
-            </a:r>
-            <a:r>
-              <a:rPr lang="en-US" sz="1900" dirty="0"/>
-              <a:t>Binds the inner Text property of an HTML element.</a:t>
-            </a:r>
-          </a:p>
-          <a:p>
-            <a:pPr marL="457200" indent="-457200" algn="l">
-              <a:buFont typeface="Arial" panose="020B0604020202020204" pitchFamily="34" charset="0"/>
-              <a:buChar char="•"/>
-            </a:pPr>
-            <a:r>
-              <a:rPr lang="en-US" dirty="0"/>
-              <a:t>ng-bind-template - </a:t>
-            </a:r>
-            <a:r>
-              <a:rPr lang="en-US" sz="1900" dirty="0"/>
-              <a:t>Almost similar to the ng-bind directive but allows for multiple template.</a:t>
-            </a:r>
-          </a:p>
-          <a:p>
-            <a:pPr marL="457200" indent="-457200" algn="l">
-              <a:buFont typeface="Arial" panose="020B0604020202020204" pitchFamily="34" charset="0"/>
-              <a:buChar char="•"/>
-            </a:pPr>
-            <a:r>
-              <a:rPr lang="en-US" dirty="0"/>
-              <a:t>ng-non-</a:t>
-            </a:r>
-            <a:r>
-              <a:rPr lang="en-US" dirty="0" err="1"/>
-              <a:t>bindable</a:t>
-            </a:r>
-            <a:r>
-              <a:rPr lang="en-US" dirty="0"/>
-              <a:t> - </a:t>
-            </a:r>
-            <a:r>
-              <a:rPr lang="en-US" sz="1900" dirty="0"/>
-              <a:t>Declares a region of content for which data binding will be skipped.</a:t>
-            </a:r>
-          </a:p>
-          <a:p>
-            <a:pPr marL="457200" indent="-457200" algn="l">
-              <a:buFont typeface="Arial" panose="020B0604020202020204" pitchFamily="34" charset="0"/>
-              <a:buChar char="•"/>
-            </a:pPr>
-            <a:r>
-              <a:rPr lang="en-US" dirty="0"/>
-              <a:t>ng-bind-html - </a:t>
-            </a:r>
-            <a:r>
-              <a:rPr lang="en-US" sz="1900" dirty="0"/>
-              <a:t>Creates data bindings using the inner HTML property of an HTML element.</a:t>
-            </a:r>
-          </a:p>
-          <a:p>
-            <a:pPr marL="914400" lvl="1" indent="-457200" algn="l">
-              <a:buFont typeface="Arial" panose="020B0604020202020204" pitchFamily="34" charset="0"/>
-              <a:buChar char="•"/>
-            </a:pPr>
+              <a:rPr lang="en-US" dirty="0" smtClean="0"/>
+              <a:t>Can also be used to communicate between controllers</a:t>
+            </a:r>
+            <a:endParaRPr lang="en-US" dirty="0" smtClean="0"/>
+          </a:p>
+          <a:p>
             <a:endParaRPr lang="en-US" dirty="0"/>
           </a:p>
         </p:txBody>
       </p:sp>
+      <p:sp>
+        <p:nvSpPr>
+          <p:cNvPr id="3" name="Title 2"/>
+          <p:cNvSpPr>
+            <a:spLocks noGrp="1"/>
+          </p:cNvSpPr>
+          <p:nvPr>
+            <p:ph type="title"/>
+          </p:nvPr>
+        </p:nvSpPr>
+        <p:spPr/>
+        <p:txBody>
+          <a:bodyPr/>
+          <a:lstStyle/>
+          <a:p>
+            <a:r>
+              <a:rPr lang="en-US" dirty="0" err="1" smtClean="0"/>
+              <a:t>Rootscope</a:t>
+            </a:r>
+            <a:endParaRPr lang="en-US" dirty="0"/>
+          </a:p>
+        </p:txBody>
+      </p:sp>
     </p:spTree>
-    <p:extLst>
-      <p:ext uri="{BB962C8B-B14F-4D97-AF65-F5344CB8AC3E}">
-        <p14:creationId xmlns:p14="http://schemas.microsoft.com/office/powerpoint/2010/main" xmlns="" val="2049169744"/>
-      </p:ext>
-    </p:extLst>
   </p:cSld>
   <p:clrMapOvr>
     <a:masterClrMapping/>
@@ -7893,171 +6853,78 @@
       </p:grpSpPr>
       <p:sp>
         <p:nvSpPr>
-          <p:cNvPr id="3" name="Subtitle 2"/>
-          <p:cNvSpPr>
-            <a:spLocks noGrp="1"/>
-          </p:cNvSpPr>
-          <p:nvPr>
-            <p:ph type="subTitle" idx="1"/>
-          </p:nvPr>
-        </p:nvSpPr>
-        <p:spPr>
-          <a:xfrm>
-            <a:off x="533400" y="457200"/>
-            <a:ext cx="8001000" cy="5105400"/>
-          </a:xfrm>
-        </p:spPr>
+          <p:cNvPr id="2" name="Content Placeholder 1"/>
+          <p:cNvSpPr>
+            <a:spLocks noGrp="1"/>
+          </p:cNvSpPr>
+          <p:nvPr>
+            <p:ph idx="1"/>
+          </p:nvPr>
+        </p:nvSpPr>
+        <p:spPr/>
         <p:txBody>
           <a:bodyPr>
             <a:normAutofit/>
           </a:bodyPr>
           <a:lstStyle/>
           <a:p>
-            <a:pPr marL="457200" indent="-457200" algn="l">
-              <a:buFont typeface="Arial" panose="020B0604020202020204" pitchFamily="34" charset="0"/>
-              <a:buChar char="•"/>
-            </a:pPr>
-            <a:r>
-              <a:rPr lang="en-US" sz="4000" dirty="0" smtClean="0"/>
-              <a:t>$http</a:t>
-            </a:r>
-          </a:p>
-          <a:p>
-            <a:pPr marR="64008" lvl="1" indent="-457200" algn="l">
-              <a:spcBef>
-                <a:spcPts val="400"/>
-              </a:spcBef>
-              <a:buSzPct val="68000"/>
-              <a:buFont typeface="Arial" panose="020B0604020202020204" pitchFamily="34" charset="0"/>
-              <a:buChar char="•"/>
-            </a:pPr>
-            <a:r>
-              <a:rPr lang="en-US" sz="1900" dirty="0" smtClean="0">
-                <a:solidFill>
-                  <a:schemeClr val="tx2"/>
-                </a:solidFill>
-              </a:rPr>
-              <a:t>The </a:t>
-            </a:r>
-            <a:r>
-              <a:rPr lang="en-US" sz="1900" dirty="0">
-                <a:solidFill>
-                  <a:schemeClr val="tx2"/>
-                </a:solidFill>
-              </a:rPr>
-              <a:t>$http service is a core Angular service that facilitates communication with the remote HTTP servers via the browser's </a:t>
-            </a:r>
-            <a:r>
-              <a:rPr lang="en-US" sz="1900" dirty="0" err="1">
-                <a:solidFill>
-                  <a:schemeClr val="tx2"/>
-                </a:solidFill>
+            <a:r>
+              <a:rPr lang="en-US" dirty="0" smtClean="0"/>
+              <a:t>Angular services are substitutable objects that are wired together using </a:t>
+            </a:r>
+            <a:r>
+              <a:rPr lang="en-US" dirty="0" smtClean="0">
                 <a:hlinkClick r:id="rId3"/>
               </a:rPr>
-              <a:t>XMLHttpRequest</a:t>
-            </a:r>
-            <a:r>
-              <a:rPr lang="en-US" sz="1900" dirty="0">
-                <a:solidFill>
-                  <a:schemeClr val="tx2"/>
-                </a:solidFill>
-              </a:rPr>
-              <a:t> object or via </a:t>
-            </a:r>
-            <a:r>
-              <a:rPr lang="en-US" sz="1900" dirty="0">
-                <a:solidFill>
-                  <a:schemeClr val="tx2"/>
-                </a:solidFill>
-                <a:hlinkClick r:id="rId4"/>
-              </a:rPr>
-              <a:t>JSONP</a:t>
-            </a:r>
-            <a:r>
-              <a:rPr lang="en-US" sz="1900" dirty="0">
-                <a:solidFill>
-                  <a:schemeClr val="tx2"/>
-                </a:solidFill>
-              </a:rPr>
+              <a:t>dependency injection (DI)</a:t>
+            </a:r>
+            <a:r>
+              <a:rPr lang="en-US" dirty="0" smtClean="0"/>
+              <a:t>. </a:t>
+            </a:r>
+            <a:endParaRPr lang="en-US" dirty="0" smtClean="0"/>
+          </a:p>
+          <a:p>
+            <a:r>
+              <a:rPr lang="en-US" dirty="0" smtClean="0"/>
+              <a:t>Use services </a:t>
+            </a:r>
+            <a:r>
+              <a:rPr lang="en-US" dirty="0" smtClean="0"/>
+              <a:t>to organize and share code across your app</a:t>
+            </a:r>
+            <a:r>
+              <a:rPr lang="en-US" dirty="0" smtClean="0"/>
               <a:t>.</a:t>
             </a:r>
-          </a:p>
-          <a:p>
-            <a:pPr marL="457200" indent="-457200" algn="l">
-              <a:buFont typeface="Arial" panose="020B0604020202020204" pitchFamily="34" charset="0"/>
-              <a:buChar char="•"/>
-            </a:pPr>
-            <a:r>
-              <a:rPr lang="en-US" sz="4000" dirty="0" smtClean="0"/>
-              <a:t>Filters</a:t>
-            </a:r>
-          </a:p>
-          <a:p>
-            <a:pPr marR="64008" lvl="1" indent="-457200" algn="l">
-              <a:spcBef>
-                <a:spcPts val="400"/>
-              </a:spcBef>
-              <a:buSzPct val="68000"/>
-              <a:buFont typeface="Arial" panose="020B0604020202020204" pitchFamily="34" charset="0"/>
-              <a:buChar char="•"/>
-            </a:pPr>
-            <a:r>
-              <a:rPr lang="en-US" sz="1900" dirty="0">
-                <a:solidFill>
-                  <a:schemeClr val="tx2"/>
-                </a:solidFill>
-              </a:rPr>
-              <a:t>Selects a subset of items from array and returns it as a new array.</a:t>
-            </a:r>
-          </a:p>
-          <a:p>
-            <a:pPr marL="457200" indent="-457200" algn="l">
-              <a:buFont typeface="Arial" panose="020B0604020202020204" pitchFamily="34" charset="0"/>
-              <a:buChar char="•"/>
-            </a:pPr>
-            <a:r>
-              <a:rPr lang="en-US" sz="4000" dirty="0" smtClean="0"/>
-              <a:t>Config</a:t>
-            </a:r>
-          </a:p>
-          <a:p>
-            <a:pPr marR="64008" lvl="1" indent="-457200" algn="l">
-              <a:spcBef>
-                <a:spcPts val="400"/>
-              </a:spcBef>
-              <a:buSzPct val="68000"/>
-              <a:buFont typeface="Arial" panose="020B0604020202020204" pitchFamily="34" charset="0"/>
-              <a:buChar char="•"/>
-            </a:pPr>
-            <a:r>
-              <a:rPr lang="en-US" sz="1900" dirty="0" smtClean="0">
-                <a:solidFill>
-                  <a:schemeClr val="tx2"/>
-                </a:solidFill>
-              </a:rPr>
-              <a:t>Loads/switch angularjs configuration.</a:t>
-            </a:r>
-            <a:endParaRPr lang="en-US" sz="1900" dirty="0">
-              <a:solidFill>
-                <a:schemeClr val="tx2"/>
-              </a:solidFill>
-            </a:endParaRPr>
-          </a:p>
-          <a:p>
-            <a:pPr marL="457200" indent="-457200" algn="l">
-              <a:buFont typeface="Arial" panose="020B0604020202020204" pitchFamily="34" charset="0"/>
-              <a:buChar char="•"/>
-            </a:pPr>
-            <a:endParaRPr lang="en-US" sz="4000" dirty="0"/>
+            <a:endParaRPr lang="en-US" dirty="0" smtClean="0"/>
+          </a:p>
+        </p:txBody>
+      </p:sp>
+      <p:sp>
+        <p:nvSpPr>
+          <p:cNvPr id="3" name="Title 2"/>
+          <p:cNvSpPr>
+            <a:spLocks noGrp="1"/>
+          </p:cNvSpPr>
+          <p:nvPr>
+            <p:ph type="title"/>
+          </p:nvPr>
+        </p:nvSpPr>
+        <p:spPr/>
+        <p:txBody>
+          <a:bodyPr/>
+          <a:lstStyle/>
+          <a:p>
+            <a:r>
+              <a:rPr lang="en-US" b="0" dirty="0" smtClean="0"/>
+              <a:t>Dependency Injection</a:t>
+            </a:r>
+            <a:endParaRPr lang="en-US" b="0" dirty="0"/>
           </a:p>
         </p:txBody>
       </p:sp>
     </p:spTree>
-    <p:extLst>
-      <p:ext uri="{BB962C8B-B14F-4D97-AF65-F5344CB8AC3E}">
-        <p14:creationId xmlns:p14="http://schemas.microsoft.com/office/powerpoint/2010/main" xmlns="" val="220381270"/>
-      </p:ext>
-    </p:extLst>
   </p:cSld>
   <p:clrMapOvr>
     <a:masterClrMapping/>
@@ -8066,6 +6933,184 @@
 </file>
 
 <file path=ppt/slides/slide12.xml><?xml version="1.0" encoding="utf-8"?>
+<p:sld xmlns:a="http://schemas.openxmlformats.org/drawingml/2006/main" xmlns:r="http://schemas.openxmlformats.org/officeDocument/2006/relationships" xmlns:p="http://schemas.openxmlformats.org/presentationml/2006/main">
+  <p:cSld>
+    <p:spTree>
+      <p:nvGrpSpPr>
+        <p:cNvPr id="1" name=""/>
+        <p:cNvGrpSpPr/>
+        <p:nvPr/>
+      </p:nvGrpSpPr>
+      <p:grpSpPr>
+        <a:xfrm>
+          <a:off x="0" y="0"/>
+          <a:ext cx="0" cy="0"/>
+          <a:chOff x="0" y="0"/>
+          <a:chExt cx="0" cy="0"/>
+        </a:xfrm>
+      </p:grpSpPr>
+      <p:sp>
+        <p:nvSpPr>
+          <p:cNvPr id="2" name="Content Placeholder 1"/>
+          <p:cNvSpPr>
+            <a:spLocks noGrp="1"/>
+          </p:cNvSpPr>
+          <p:nvPr>
+            <p:ph idx="1"/>
+          </p:nvPr>
+        </p:nvSpPr>
+        <p:spPr/>
+        <p:txBody>
+          <a:bodyPr/>
+          <a:lstStyle/>
+          <a:p>
+            <a:pPr marL="457200" indent="-457200">
+              <a:buFont typeface="Arial" panose="020B0604020202020204" pitchFamily="34" charset="0"/>
+              <a:buChar char="•"/>
+            </a:pPr>
+            <a:r>
+              <a:rPr lang="en-US" dirty="0" smtClean="0"/>
+              <a:t>Today’s tutorial is available at </a:t>
+            </a:r>
+            <a:r>
+              <a:rPr lang="en-US" dirty="0" err="1" smtClean="0"/>
+              <a:t>Git</a:t>
+            </a:r>
+            <a:r>
+              <a:rPr lang="en-US" dirty="0" smtClean="0"/>
+              <a:t> under</a:t>
+            </a:r>
+          </a:p>
+          <a:p>
+            <a:pPr marL="457200" indent="-457200">
+              <a:buFont typeface="Arial" panose="020B0604020202020204" pitchFamily="34" charset="0"/>
+              <a:buChar char="•"/>
+            </a:pPr>
+            <a:r>
+              <a:rPr lang="en-US" dirty="0" smtClean="0">
+                <a:hlinkClick r:id="rId2"/>
+              </a:rPr>
+              <a:t>https://</a:t>
+            </a:r>
+            <a:r>
+              <a:rPr lang="en-US" dirty="0" smtClean="0">
+                <a:hlinkClick r:id="rId2"/>
+              </a:rPr>
+              <a:t>github.com/LockheedInnovation/Project-AngularJS</a:t>
+            </a:r>
+            <a:endParaRPr lang="en-US" dirty="0" smtClean="0"/>
+          </a:p>
+          <a:p>
+            <a:pPr marL="457200" indent="-457200">
+              <a:buFont typeface="Arial" panose="020B0604020202020204" pitchFamily="34" charset="0"/>
+              <a:buChar char="•"/>
+            </a:pPr>
+            <a:endParaRPr lang="en-US" dirty="0" smtClean="0"/>
+          </a:p>
+          <a:p>
+            <a:pPr marL="457200" indent="-457200">
+              <a:buFont typeface="Arial" panose="020B0604020202020204" pitchFamily="34" charset="0"/>
+              <a:buChar char="•"/>
+            </a:pPr>
+            <a:r>
+              <a:rPr lang="en-US" dirty="0" smtClean="0"/>
+              <a:t>For convenience </a:t>
+            </a:r>
+            <a:r>
+              <a:rPr lang="en-US" dirty="0" err="1" smtClean="0"/>
+              <a:t>plunker</a:t>
+            </a:r>
+            <a:r>
+              <a:rPr lang="en-US" dirty="0" smtClean="0"/>
+              <a:t> is made</a:t>
+            </a:r>
+          </a:p>
+          <a:p>
+            <a:pPr marL="457200" indent="-457200">
+              <a:buFont typeface="Arial" panose="020B0604020202020204" pitchFamily="34" charset="0"/>
+              <a:buChar char="•"/>
+            </a:pPr>
+            <a:r>
+              <a:rPr lang="en-US" u="sng" dirty="0" smtClean="0">
+                <a:hlinkClick r:id="rId3"/>
+              </a:rPr>
+              <a:t>http://embed.plnkr.co/A6oBjqDwMcjMmM7qupx4</a:t>
+            </a:r>
+            <a:r>
+              <a:rPr lang="en-US" u="sng" dirty="0" smtClean="0">
+                <a:hlinkClick r:id="rId3"/>
+              </a:rPr>
+              <a:t>/</a:t>
+            </a:r>
+            <a:endParaRPr lang="en-US" u="sng" dirty="0" smtClean="0"/>
+          </a:p>
+          <a:p>
+            <a:pPr marL="457200" indent="-457200">
+              <a:buFont typeface="Arial" panose="020B0604020202020204" pitchFamily="34" charset="0"/>
+              <a:buChar char="•"/>
+            </a:pPr>
+            <a:endParaRPr lang="en-US" u="sng" dirty="0" smtClean="0"/>
+          </a:p>
+          <a:p>
+            <a:pPr marL="457200" indent="-457200">
+              <a:buFont typeface="Arial" panose="020B0604020202020204" pitchFamily="34" charset="0"/>
+              <a:buChar char="•"/>
+            </a:pPr>
+            <a:r>
+              <a:rPr lang="en-US" u="sng" dirty="0" smtClean="0"/>
+              <a:t>Show the Real Deal now</a:t>
+            </a:r>
+            <a:endParaRPr lang="en-US" dirty="0" smtClean="0"/>
+          </a:p>
+          <a:p>
+            <a:endParaRPr lang="en-US" dirty="0"/>
+          </a:p>
+        </p:txBody>
+      </p:sp>
+      <p:sp>
+        <p:nvSpPr>
+          <p:cNvPr id="3" name="Title 2"/>
+          <p:cNvSpPr>
+            <a:spLocks noGrp="1"/>
+          </p:cNvSpPr>
+          <p:nvPr>
+            <p:ph type="title"/>
+          </p:nvPr>
+        </p:nvSpPr>
+        <p:spPr/>
+        <p:txBody>
+          <a:bodyPr/>
+          <a:lstStyle/>
+          <a:p>
+            <a:r>
+              <a:rPr lang="en-US" dirty="0" err="1" smtClean="0"/>
+              <a:t>Git</a:t>
+            </a:r>
+            <a:r>
+              <a:rPr lang="en-US" dirty="0" smtClean="0"/>
+              <a:t> - </a:t>
+            </a:r>
+            <a:r>
+              <a:rPr lang="en-US" dirty="0" err="1" smtClean="0"/>
+              <a:t>Plunker</a:t>
+            </a:r>
+            <a:r>
+              <a:rPr lang="en-US" dirty="0" smtClean="0"/>
+              <a:t> Demo</a:t>
+            </a:r>
+            <a:endParaRPr lang="en-US" dirty="0"/>
+          </a:p>
+        </p:txBody>
+      </p:sp>
+    </p:spTree>
+  </p:cSld>
+  <p:clrMapOvr>
+    <a:masterClrMapping/>
+  </p:clrMapOvr>
+</p:sld>
+</file>
+
+<file path=ppt/slides/slide13.xml><?xml version="1.0" encoding="utf-8"?>
 <p:sld xmlns:a="http://schemas.openxmlformats.org/drawingml/2006/main" xmlns:r="http://schemas.openxmlformats.org/officeDocument/2006/relationships" xmlns:p="http://schemas.openxmlformats.org/presentationml/2006/main">
   <p:cSld>
     <p:spTree>
@@ -8192,12 +7237,12 @@
         <p:spPr>
           <a:xfrm>
             <a:off x="533400" y="1447800"/>
-            <a:ext cx="8001000" cy="3886200"/>
+            <a:ext cx="8001000" cy="4038600"/>
           </a:xfrm>
         </p:spPr>
         <p:txBody>
           <a:bodyPr>
-            <a:normAutofit lnSpcReduction="10000"/>
+            <a:normAutofit/>
           </a:bodyPr>
           <a:lstStyle/>
           <a:p>
@@ -8217,9 +7262,12 @@
             </a:pPr>
             <a:r>
               <a:rPr lang="en-US" dirty="0" smtClean="0"/>
-              <a:t>Demo Website</a:t>
-            </a:r>
-            <a:endParaRPr lang="en-US" dirty="0"/>
+              <a:t>Demo </a:t>
+            </a:r>
+            <a:r>
+              <a:rPr lang="en-US" dirty="0" smtClean="0"/>
+              <a:t>Website</a:t>
+            </a:r>
           </a:p>
           <a:p>
             <a:pPr marL="457200" indent="-457200" algn="l">
@@ -8228,12 +7276,13 @@
             </a:pPr>
             <a:r>
               <a:rPr lang="en-US" dirty="0" smtClean="0"/>
-              <a:t>Controller </a:t>
-            </a:r>
-            <a:r>
-              <a:rPr lang="en-US" dirty="0" smtClean="0"/>
-              <a:t>- ng-controller</a:t>
-            </a:r>
+              <a:t>Modules/ </a:t>
+            </a:r>
+            <a:r>
+              <a:rPr lang="en-US" dirty="0" smtClean="0"/>
+              <a:t>View / Controller</a:t>
+            </a:r>
+            <a:endParaRPr lang="en-US" dirty="0" smtClean="0"/>
           </a:p>
           <a:p>
             <a:pPr marL="457200" indent="-457200" algn="l">
@@ -8242,8 +7291,13 @@
             </a:pPr>
             <a:r>
               <a:rPr lang="en-US" dirty="0" smtClean="0"/>
-              <a:t>Scope</a:t>
-            </a:r>
+              <a:t>Scope / </a:t>
+            </a:r>
+            <a:r>
+              <a:rPr lang="en-US" dirty="0" err="1" smtClean="0"/>
+              <a:t>RootScope</a:t>
+            </a:r>
+            <a:endParaRPr lang="en-US" dirty="0" smtClean="0"/>
           </a:p>
           <a:p>
             <a:pPr marL="457200" indent="-457200" algn="l">
@@ -8252,7 +7306,11 @@
             </a:pPr>
             <a:r>
               <a:rPr lang="en-US" dirty="0" smtClean="0"/>
-              <a:t>Service (Model inside)</a:t>
+              <a:t>Service </a:t>
+            </a:r>
+            <a:r>
+              <a:rPr lang="en-US" dirty="0" smtClean="0"/>
+              <a:t>(Model inside)</a:t>
             </a:r>
           </a:p>
           <a:p>
@@ -8262,19 +7320,7 @@
             </a:pPr>
             <a:r>
               <a:rPr lang="en-US" dirty="0" smtClean="0"/>
-              <a:t>Ajax </a:t>
-            </a:r>
-            <a:r>
-              <a:rPr lang="en-US" dirty="0" smtClean="0"/>
-              <a:t>calls -  $</a:t>
-            </a:r>
-            <a:r>
-              <a:rPr lang="en-US" dirty="0" smtClean="0"/>
-              <a:t>http</a:t>
-            </a:r>
-            <a:r>
-              <a:rPr lang="en-US" dirty="0" smtClean="0"/>
-              <a:t> </a:t>
+              <a:t>Ajax calls -  $http </a:t>
             </a:r>
           </a:p>
           <a:p>
@@ -8284,9 +7330,28 @@
             </a:pPr>
             <a:r>
               <a:rPr lang="en-US" dirty="0" smtClean="0"/>
-              <a:t>Filter</a:t>
-            </a:r>
-            <a:endParaRPr lang="en-US" dirty="0" smtClean="0"/>
+              <a:t>Angular Directives - </a:t>
+            </a:r>
+            <a:r>
+              <a:rPr lang="en-US" dirty="0" err="1" smtClean="0"/>
+              <a:t>ng</a:t>
+            </a:r>
+            <a:r>
+              <a:rPr lang="en-US" dirty="0" smtClean="0"/>
+              <a:t>-show</a:t>
+            </a:r>
+            <a:r>
+              <a:rPr lang="en-US" dirty="0" smtClean="0"/>
+              <a:t>, </a:t>
+            </a:r>
+            <a:r>
+              <a:rPr lang="en-US" dirty="0" err="1" smtClean="0"/>
+              <a:t>ng</a:t>
+            </a:r>
+            <a:r>
+              <a:rPr lang="en-US" dirty="0" smtClean="0"/>
+              <a:t>-repeat</a:t>
+            </a:r>
           </a:p>
           <a:p>
             <a:pPr marL="457200" indent="-457200" algn="l">
@@ -8295,34 +7360,19 @@
             </a:pPr>
             <a:r>
               <a:rPr lang="en-US" dirty="0" smtClean="0"/>
-              <a:t>RootScope</a:t>
-            </a:r>
-            <a:endParaRPr lang="en-US" dirty="0" smtClean="0"/>
-          </a:p>
-          <a:p>
-            <a:pPr marL="457200" indent="-457200" algn="l">
-              <a:buFont typeface="Arial" panose="020B0604020202020204" pitchFamily="34" charset="0"/>
-              <a:buChar char="•"/>
-            </a:pPr>
-            <a:r>
-              <a:rPr lang="en-US" dirty="0" smtClean="0"/>
-              <a:t>Native Directives -  </a:t>
+              <a:t>Show Real Deal with </a:t>
             </a:r>
             <a:r>
               <a:rPr lang="en-US" dirty="0" err="1" smtClean="0"/>
-              <a:t>ng</a:t>
-            </a:r>
-            <a:r>
-              <a:rPr lang="en-US" dirty="0" smtClean="0"/>
-              <a:t>-show, </a:t>
+              <a:t>GitHub</a:t>
+            </a:r>
+            <a:r>
+              <a:rPr lang="en-US" dirty="0" smtClean="0"/>
+              <a:t> / </a:t>
             </a:r>
             <a:r>
               <a:rPr lang="en-US" dirty="0" err="1" smtClean="0"/>
-              <a:t>ng</a:t>
-            </a:r>
-            <a:r>
-              <a:rPr lang="en-US" dirty="0" smtClean="0"/>
-              <a:t>-repeat</a:t>
+              <a:t>Plunker</a:t>
             </a:r>
             <a:endParaRPr lang="en-US" dirty="0"/>
           </a:p>
@@ -8331,7 +7381,7 @@
     </p:spTree>
     <p:extLst>
       <p:ext uri="{BB962C8B-B14F-4D97-AF65-F5344CB8AC3E}">
-        <p14:creationId xmlns:p14="http://schemas.microsoft.com/office/powerpoint/2010/main" xmlns="" val="773793046"/>
+        <p14:creationId xmlns="" xmlns:p14="http://schemas.microsoft.com/office/powerpoint/2010/main" val="773793046"/>
       </p:ext>
     </p:extLst>
   </p:cSld>
@@ -8431,58 +7481,6 @@
             </a:r>
           </a:p>
           <a:p>
-            <a:pPr marL="457200" indent="-457200" algn="l">
-              <a:buFont typeface="Arial" panose="020B0604020202020204" pitchFamily="34" charset="0"/>
-              <a:buChar char="•"/>
-            </a:pPr>
-            <a:r>
-              <a:rPr lang="en-US" sz="2800" dirty="0" smtClean="0"/>
-              <a:t>Data </a:t>
-            </a:r>
-            <a:r>
-              <a:rPr lang="en-US" sz="2800" dirty="0" smtClean="0"/>
-              <a:t>binding, as easy in </a:t>
-            </a:r>
-            <a:r>
-              <a:rPr lang="en-US" sz="2800" dirty="0" smtClean="0"/>
-              <a:t>{{}}</a:t>
-            </a:r>
-          </a:p>
-          <a:p>
-            <a:pPr marL="457200" indent="-457200" algn="l">
-              <a:buFont typeface="Arial" panose="020B0604020202020204" pitchFamily="34" charset="0"/>
-              <a:buChar char="•"/>
-            </a:pPr>
-            <a:r>
-              <a:rPr lang="en-US" sz="2800" dirty="0" smtClean="0"/>
-              <a:t>A complete client-side solution</a:t>
-            </a:r>
-          </a:p>
-          <a:p>
-            <a:pPr marL="457200" indent="-457200" algn="l">
-              <a:buFont typeface="Arial" panose="020B0604020202020204" pitchFamily="34" charset="0"/>
-              <a:buChar char="•"/>
-            </a:pPr>
-            <a:r>
-              <a:rPr lang="en-US" sz="2800" dirty="0" smtClean="0"/>
-              <a:t>Support</a:t>
-            </a:r>
-            <a:r>
-              <a:rPr lang="en-US" sz="2800" dirty="0" smtClean="0"/>
-              <a:t> MVW Design Pattern  </a:t>
-            </a:r>
-          </a:p>
-          <a:p>
-            <a:pPr marL="914400" lvl="1" indent="-457200" algn="l">
-              <a:buFont typeface="Arial" panose="020B0604020202020204" pitchFamily="34" charset="0"/>
-              <a:buChar char="•"/>
-            </a:pPr>
-            <a:r>
-              <a:rPr lang="en-US" sz="2400" dirty="0" smtClean="0"/>
-              <a:t>[Model View and (* = whatever works for you)]</a:t>
-            </a:r>
-          </a:p>
-          <a:p>
             <a:pPr marR="64008" lvl="1" indent="-457200" algn="l">
               <a:spcBef>
                 <a:spcPts val="400"/>
@@ -8509,6 +7507,50 @@
             </a:r>
           </a:p>
           <a:p>
+            <a:pPr marL="457200" indent="-457200" algn="l">
+              <a:buFont typeface="Arial" panose="020B0604020202020204" pitchFamily="34" charset="0"/>
+              <a:buChar char="•"/>
+            </a:pPr>
+            <a:r>
+              <a:rPr lang="en-US" sz="2800" dirty="0" smtClean="0"/>
+              <a:t>Data </a:t>
+            </a:r>
+            <a:r>
+              <a:rPr lang="en-US" sz="2800" dirty="0" smtClean="0"/>
+              <a:t>binding, as easy in {{}}</a:t>
+            </a:r>
+          </a:p>
+          <a:p>
+            <a:pPr marL="457200" indent="-457200" algn="l">
+              <a:buFont typeface="Arial" panose="020B0604020202020204" pitchFamily="34" charset="0"/>
+              <a:buChar char="•"/>
+            </a:pPr>
+            <a:r>
+              <a:rPr lang="en-US" sz="2800" dirty="0" smtClean="0"/>
+              <a:t>A complete client-side solution</a:t>
+            </a:r>
+          </a:p>
+          <a:p>
+            <a:pPr marL="457200" indent="-457200" algn="l">
+              <a:buFont typeface="Arial" panose="020B0604020202020204" pitchFamily="34" charset="0"/>
+              <a:buChar char="•"/>
+            </a:pPr>
+            <a:r>
+              <a:rPr lang="en-US" sz="2800" dirty="0" smtClean="0"/>
+              <a:t>Support MVW Design Pattern  </a:t>
+            </a:r>
+          </a:p>
+          <a:p>
+            <a:pPr marL="914400" lvl="1" indent="-457200" algn="l">
+              <a:buFont typeface="Arial" panose="020B0604020202020204" pitchFamily="34" charset="0"/>
+              <a:buChar char="•"/>
+            </a:pPr>
+            <a:r>
+              <a:rPr lang="en-US" sz="2400" dirty="0" smtClean="0"/>
+              <a:t>[Model View and (* = whatever works for you)]</a:t>
+            </a:r>
+          </a:p>
+          <a:p>
             <a:pPr marL="914400" lvl="1" indent="-457200" algn="l">
               <a:buFont typeface="Arial" panose="020B0604020202020204" pitchFamily="34" charset="0"/>
               <a:buChar char="•"/>
@@ -8559,7 +7601,7 @@
     </p:spTree>
     <p:extLst>
       <p:ext uri="{BB962C8B-B14F-4D97-AF65-F5344CB8AC3E}">
-        <p14:creationId xmlns:p14="http://schemas.microsoft.com/office/powerpoint/2010/main" xmlns="" val="3054112379"/>
+        <p14:creationId xmlns="" xmlns:p14="http://schemas.microsoft.com/office/powerpoint/2010/main" val="3054112379"/>
       </p:ext>
     </p:extLst>
   </p:cSld>
@@ -8681,13 +7723,7 @@
               <a:rPr lang="en-US" dirty="0" smtClean="0">
                 <a:hlinkClick r:id="rId3"/>
               </a:rPr>
-              <a:t>https://angular-ui.github.io/bootstrap</a:t>
-            </a:r>
-            <a:r>
-              <a:rPr lang="en-US" dirty="0" smtClean="0">
-                <a:hlinkClick r:id="rId3"/>
-              </a:rPr>
-              <a:t>/</a:t>
+              <a:t>https://angular-ui.github.io/bootstrap/</a:t>
             </a:r>
             <a:endParaRPr lang="en-US" dirty="0" smtClean="0"/>
           </a:p>
@@ -8696,7 +7732,7 @@
     </p:spTree>
     <p:extLst>
       <p:ext uri="{BB962C8B-B14F-4D97-AF65-F5344CB8AC3E}">
-        <p14:creationId xmlns:p14="http://schemas.microsoft.com/office/powerpoint/2010/main" xmlns="" val="3054112379"/>
+        <p14:creationId xmlns="" xmlns:p14="http://schemas.microsoft.com/office/powerpoint/2010/main" val="3054112379"/>
       </p:ext>
     </p:extLst>
   </p:cSld>
@@ -8736,7 +7772,7 @@
         <p:spPr/>
         <p:txBody>
           <a:bodyPr>
-            <a:normAutofit lnSpcReduction="10000"/>
+            <a:normAutofit/>
           </a:bodyPr>
           <a:lstStyle/>
           <a:p>
@@ -8753,27 +7789,27 @@
             <a:pPr lvl="1"/>
             <a:r>
               <a:rPr lang="en-US" dirty="0" smtClean="0"/>
-              <a:t>Model (JSON Data) in Service</a:t>
+              <a:t>View </a:t>
+            </a:r>
+            <a:r>
+              <a:rPr lang="en-US" dirty="0" smtClean="0"/>
+              <a:t>(html template)</a:t>
             </a:r>
           </a:p>
           <a:p>
             <a:pPr lvl="1"/>
             <a:r>
               <a:rPr lang="en-US" dirty="0" smtClean="0"/>
-              <a:t>View (html template)</a:t>
-            </a:r>
-          </a:p>
-          <a:p>
-            <a:pPr lvl="1"/>
-            <a:r>
-              <a:rPr lang="en-US" dirty="0" smtClean="0"/>
-              <a:t>Controller</a:t>
-            </a:r>
-          </a:p>
-          <a:p>
-            <a:pPr lvl="1">
-              <a:buNone/>
-            </a:pPr>
+              <a:t>Controller </a:t>
+            </a:r>
+            <a:r>
+              <a:rPr lang="en-US" dirty="0" smtClean="0"/>
+              <a:t>/ scope / Model </a:t>
+            </a:r>
+            <a:r>
+              <a:rPr lang="en-US" dirty="0" smtClean="0"/>
+              <a:t>/ Service</a:t>
+            </a:r>
             <a:endParaRPr lang="en-US" dirty="0" smtClean="0"/>
           </a:p>
           <a:p>
@@ -8787,7 +7823,11 @@
             </a:pPr>
             <a:r>
               <a:rPr lang="en-US" sz="2700" dirty="0" smtClean="0"/>
-              <a:t>Directory Structure</a:t>
+              <a:t>Directory </a:t>
+            </a:r>
+            <a:r>
+              <a:rPr lang="en-US" sz="2700" dirty="0" smtClean="0"/>
+              <a:t>Structure</a:t>
             </a:r>
           </a:p>
           <a:p>
@@ -8797,7 +7837,11 @@
             </a:pPr>
             <a:r>
               <a:rPr lang="en-US" dirty="0" smtClean="0"/>
-              <a:t>Home.html (View)</a:t>
+              <a:t>Index.html / Home.html  / About.html (View</a:t>
+            </a:r>
+            <a:r>
+              <a:rPr lang="en-US" dirty="0" smtClean="0"/>
+              <a:t>)</a:t>
             </a:r>
           </a:p>
           <a:p>
@@ -8817,7 +7861,15 @@
             </a:pPr>
             <a:r>
               <a:rPr lang="en-US" dirty="0" smtClean="0"/>
-              <a:t>HomeController.js (Controller)</a:t>
+              <a:t>Controller.js </a:t>
+            </a:r>
+            <a:r>
+              <a:rPr lang="en-US" dirty="0" smtClean="0"/>
+              <a:t>(</a:t>
+            </a:r>
+            <a:r>
+              <a:rPr lang="en-US" dirty="0" smtClean="0"/>
+              <a:t>Controllers )</a:t>
             </a:r>
           </a:p>
           <a:p>
@@ -8827,7 +7879,11 @@
             </a:pPr>
             <a:r>
               <a:rPr lang="en-US" dirty="0" smtClean="0"/>
-              <a:t>Filter.js (</a:t>
+              <a:t>Filter.js </a:t>
+            </a:r>
+            <a:r>
+              <a:rPr lang="en-US" dirty="0" smtClean="0"/>
+              <a:t>(</a:t>
             </a:r>
             <a:r>
               <a:rPr lang="en-US" dirty="0" err="1" smtClean="0"/>
@@ -8849,8 +7905,23 @@
             </a:r>
             <a:r>
               <a:rPr lang="en-US" dirty="0" smtClean="0"/>
-              <a:t> (Data storage)</a:t>
-            </a:r>
+              <a:t> (Data storage</a:t>
+            </a:r>
+            <a:r>
+              <a:rPr lang="en-US" dirty="0" smtClean="0"/>
+              <a:t>)</a:t>
+            </a:r>
+          </a:p>
+          <a:p>
+            <a:pPr lvl="2">
+              <a:buFont typeface="Arial" pitchFamily="34" charset="0"/>
+              <a:buChar char="•"/>
+            </a:pPr>
+            <a:r>
+              <a:rPr lang="en-US" dirty="0" smtClean="0"/>
+              <a:t>Services.js</a:t>
+            </a:r>
+            <a:endParaRPr lang="en-US" dirty="0" smtClean="0"/>
           </a:p>
           <a:p>
             <a:pPr lvl="2">
@@ -8924,86 +7995,73 @@
       </p:grpSpPr>
       <p:sp>
         <p:nvSpPr>
-          <p:cNvPr id="3" name="Subtitle 2"/>
-          <p:cNvSpPr>
-            <a:spLocks noGrp="1"/>
-          </p:cNvSpPr>
-          <p:nvPr>
-            <p:ph type="subTitle" idx="1"/>
-          </p:nvPr>
-        </p:nvSpPr>
-        <p:spPr>
-          <a:xfrm>
-            <a:off x="381000" y="381000"/>
-            <a:ext cx="8001000" cy="4953000"/>
-          </a:xfrm>
-        </p:spPr>
-        <p:txBody>
-          <a:bodyPr>
-            <a:normAutofit/>
-          </a:bodyPr>
+          <p:cNvPr id="2" name="Content Placeholder 1"/>
+          <p:cNvSpPr>
+            <a:spLocks noGrp="1"/>
+          </p:cNvSpPr>
+          <p:nvPr>
+            <p:ph idx="1"/>
+          </p:nvPr>
+        </p:nvSpPr>
+        <p:spPr/>
+        <p:txBody>
+          <a:bodyPr/>
           <a:lstStyle/>
           <a:p>
-            <a:pPr marL="457200" indent="-457200" algn="l">
-              <a:buFont typeface="Arial" panose="020B0604020202020204" pitchFamily="34" charset="0"/>
-              <a:buChar char="•"/>
-            </a:pPr>
-            <a:r>
-              <a:rPr lang="en-US" dirty="0" smtClean="0"/>
-              <a:t>Controller 	</a:t>
-            </a:r>
-          </a:p>
-          <a:p>
-            <a:pPr marL="914400" lvl="1" indent="-457200" algn="l">
-              <a:buFont typeface="Arial" panose="020B0604020202020204" pitchFamily="34" charset="0"/>
-              <a:buChar char="•"/>
-            </a:pPr>
-            <a:r>
-              <a:rPr lang="en-US" dirty="0" smtClean="0"/>
-              <a:t>A </a:t>
-            </a:r>
-            <a:r>
-              <a:rPr lang="en-US" dirty="0"/>
-              <a:t>Controller is defined by a JavaScript </a:t>
-            </a:r>
-            <a:r>
-              <a:rPr lang="en-US" b="1" dirty="0"/>
-              <a:t>constructor function</a:t>
-            </a:r>
-            <a:r>
-              <a:rPr lang="en-US" dirty="0"/>
-              <a:t> that is used to augment the </a:t>
-            </a:r>
-            <a:r>
-              <a:rPr lang="en-US" dirty="0">
-                <a:hlinkClick r:id="rId3"/>
+            <a:r>
+              <a:rPr lang="en-US" dirty="0" err="1" smtClean="0"/>
+              <a:t>ngView</a:t>
+            </a:r>
+            <a:r>
+              <a:rPr lang="en-US" dirty="0" smtClean="0"/>
+              <a:t> is a directive that complements the </a:t>
+            </a:r>
+            <a:r>
+              <a:rPr lang="en-US" dirty="0" smtClean="0">
+                <a:hlinkClick r:id="rId2"/>
               </a:rPr>
-              <a:t>Angular Scope</a:t>
+              <a:t>$route</a:t>
+            </a:r>
+            <a:r>
+              <a:rPr lang="en-US" dirty="0" smtClean="0"/>
+              <a:t> service by including the rendered template of the current route into the main layout (index.html) file. Every time the current route changes, the included view changes with it according to the configuration of the $</a:t>
+            </a:r>
+            <a:r>
+              <a:rPr lang="en-US" dirty="0" err="1" smtClean="0"/>
+              <a:t>routeservice</a:t>
             </a:r>
             <a:r>
               <a:rPr lang="en-US" dirty="0" smtClean="0"/>
               <a:t>.</a:t>
             </a:r>
-            <a:r>
-              <a:rPr lang="en-US" b="1" dirty="0" smtClean="0">
-                <a:solidFill>
-                  <a:schemeClr val="tx2">
-                    <a:lumMod val="60000"/>
-                    <a:lumOff val="40000"/>
-                  </a:schemeClr>
-                </a:solidFill>
-              </a:rPr>
-              <a:t> </a:t>
-            </a:r>
+            <a:endParaRPr lang="en-US" dirty="0"/>
+          </a:p>
+        </p:txBody>
+      </p:sp>
+      <p:sp>
+        <p:nvSpPr>
+          <p:cNvPr id="3" name="Title 2"/>
+          <p:cNvSpPr>
+            <a:spLocks noGrp="1"/>
+          </p:cNvSpPr>
+          <p:nvPr>
+            <p:ph type="title"/>
+          </p:nvPr>
+        </p:nvSpPr>
+        <p:spPr/>
+        <p:txBody>
+          <a:bodyPr/>
+          <a:lstStyle/>
+          <a:p>
+            <a:r>
+              <a:rPr lang="en-US" dirty="0" smtClean="0"/>
+              <a:t>View</a:t>
+            </a:r>
+            <a:endParaRPr lang="en-US" dirty="0"/>
           </a:p>
         </p:txBody>
       </p:sp>
     </p:spTree>
-    <p:extLst>
-      <p:ext uri="{BB962C8B-B14F-4D97-AF65-F5344CB8AC3E}">
-        <p14:creationId xmlns:p14="http://schemas.microsoft.com/office/powerpoint/2010/main" xmlns="" val="3054112379"/>
-      </p:ext>
-    </p:extLst>
   </p:cSld>
   <p:clrMapOvr>
     <a:masterClrMapping/>
@@ -9040,53 +8098,68 @@
         </p:nvSpPr>
         <p:spPr/>
         <p:txBody>
-          <a:bodyPr>
-            <a:normAutofit/>
-          </a:bodyPr>
-          <a:lstStyle/>
-          <a:p>
-            <a:pPr marL="457200" indent="-457200">
-              <a:buFont typeface="Arial" panose="020B0604020202020204" pitchFamily="34" charset="0"/>
-              <a:buChar char="•"/>
-            </a:pPr>
-            <a:r>
-              <a:rPr lang="en-US" dirty="0" smtClean="0"/>
-              <a:t>Scope </a:t>
-            </a:r>
-          </a:p>
-          <a:p>
-            <a:pPr marL="914400" lvl="1" indent="-457200">
-              <a:buFont typeface="Arial" panose="020B0604020202020204" pitchFamily="34" charset="0"/>
-              <a:buChar char="•"/>
-            </a:pPr>
-            <a:r>
-              <a:rPr lang="en-US" dirty="0" smtClean="0"/>
-              <a:t>Scope glue between application controller and the view.</a:t>
-            </a:r>
-          </a:p>
-          <a:p>
-            <a:endParaRPr lang="en-US" dirty="0"/>
-          </a:p>
-        </p:txBody>
-      </p:sp>
-      <p:sp>
-        <p:nvSpPr>
-          <p:cNvPr id="3" name="Title 2"/>
-          <p:cNvSpPr>
-            <a:spLocks noGrp="1"/>
-          </p:cNvSpPr>
-          <p:nvPr>
-            <p:ph type="title"/>
-          </p:nvPr>
-        </p:nvSpPr>
-        <p:spPr/>
-        <p:txBody>
           <a:bodyPr/>
           <a:lstStyle/>
           <a:p>
             <a:r>
               <a:rPr lang="en-US" dirty="0" smtClean="0"/>
-              <a:t>Scope</a:t>
+              <a:t>The </a:t>
+            </a:r>
+            <a:r>
+              <a:rPr lang="en-US" dirty="0" err="1" smtClean="0"/>
+              <a:t>ngRoute</a:t>
+            </a:r>
+            <a:r>
+              <a:rPr lang="en-US" dirty="0" smtClean="0"/>
+              <a:t> module provides routing and </a:t>
+            </a:r>
+            <a:r>
+              <a:rPr lang="en-US" dirty="0" err="1" smtClean="0"/>
+              <a:t>deeplinking</a:t>
+            </a:r>
+            <a:r>
+              <a:rPr lang="en-US" dirty="0" smtClean="0"/>
+              <a:t> services and directives for angular apps</a:t>
+            </a:r>
+            <a:r>
+              <a:rPr lang="en-US" dirty="0" smtClean="0"/>
+              <a:t>.</a:t>
+            </a:r>
+          </a:p>
+          <a:p>
+            <a:r>
+              <a:rPr lang="en-US" dirty="0" smtClean="0"/>
+              <a:t>Route service that injects html into </a:t>
+            </a:r>
+            <a:r>
+              <a:rPr lang="en-US" dirty="0" err="1" smtClean="0"/>
+              <a:t>ng</a:t>
+            </a:r>
+            <a:r>
+              <a:rPr lang="en-US" dirty="0" smtClean="0"/>
+              <a:t>-view</a:t>
+            </a:r>
+          </a:p>
+        </p:txBody>
+      </p:sp>
+      <p:sp>
+        <p:nvSpPr>
+          <p:cNvPr id="3" name="Title 2"/>
+          <p:cNvSpPr>
+            <a:spLocks noGrp="1"/>
+          </p:cNvSpPr>
+          <p:nvPr>
+            <p:ph type="title"/>
+          </p:nvPr>
+        </p:nvSpPr>
+        <p:spPr/>
+        <p:txBody>
+          <a:bodyPr/>
+          <a:lstStyle/>
+          <a:p>
+            <a:r>
+              <a:rPr lang="en-US" dirty="0" err="1" smtClean="0"/>
+              <a:t>ngRoute</a:t>
             </a:r>
             <a:endParaRPr lang="en-US" dirty="0"/>
           </a:p>
@@ -9119,67 +8192,180 @@
       </p:grpSpPr>
       <p:sp>
         <p:nvSpPr>
-          <p:cNvPr id="2" name="Content Placeholder 1"/>
-          <p:cNvSpPr>
-            <a:spLocks noGrp="1"/>
-          </p:cNvSpPr>
-          <p:nvPr>
-            <p:ph idx="1"/>
-          </p:nvPr>
-        </p:nvSpPr>
-        <p:spPr/>
-        <p:txBody>
-          <a:bodyPr/>
+          <p:cNvPr id="3" name="Subtitle 2"/>
+          <p:cNvSpPr>
+            <a:spLocks noGrp="1"/>
+          </p:cNvSpPr>
+          <p:nvPr>
+            <p:ph type="subTitle" idx="1"/>
+          </p:nvPr>
+        </p:nvSpPr>
+        <p:spPr>
+          <a:xfrm>
+            <a:off x="381000" y="381000"/>
+            <a:ext cx="8001000" cy="4953000"/>
+          </a:xfrm>
+        </p:spPr>
+        <p:txBody>
+          <a:bodyPr>
+            <a:normAutofit/>
+          </a:bodyPr>
           <a:lstStyle/>
           <a:p>
-            <a:pPr marL="457200" indent="-457200">
+            <a:pPr marL="457200" indent="-457200" algn="l"/>
+            <a:endParaRPr lang="en-US" dirty="0" smtClean="0"/>
+          </a:p>
+          <a:p>
+            <a:pPr marL="457200" indent="-457200" algn="l"/>
+            <a:r>
+              <a:rPr lang="en-US" dirty="0" smtClean="0"/>
+              <a:t>	</a:t>
+            </a:r>
+          </a:p>
+          <a:p>
+            <a:pPr marL="914400" lvl="1" indent="-457200" algn="l">
               <a:buFont typeface="Arial" panose="020B0604020202020204" pitchFamily="34" charset="0"/>
               <a:buChar char="•"/>
             </a:pPr>
             <a:r>
               <a:rPr lang="en-US" dirty="0" smtClean="0"/>
-              <a:t>RootScope </a:t>
-            </a:r>
-          </a:p>
-          <a:p>
-            <a:pPr marL="914400" lvl="1" indent="-457200">
-              <a:buFont typeface="Arial" panose="020B0604020202020204" pitchFamily="34" charset="0"/>
-              <a:buChar char="•"/>
+              <a:t>A </a:t>
+            </a:r>
+            <a:r>
+              <a:rPr lang="en-US" dirty="0"/>
+              <a:t>Controller is defined by a JavaScript </a:t>
+            </a:r>
+            <a:r>
+              <a:rPr lang="en-US" b="1" dirty="0"/>
+              <a:t>constructor function</a:t>
+            </a:r>
+            <a:r>
+              <a:rPr lang="en-US" dirty="0"/>
+              <a:t> that is used to augment the </a:t>
+            </a:r>
+            <a:r>
+              <a:rPr lang="en-US" dirty="0">
+                <a:hlinkClick r:id="rId3"/>
+              </a:rPr>
+              <a:t>Angular Scope</a:t>
+            </a:r>
+            <a:r>
+              <a:rPr lang="en-US" dirty="0" smtClean="0"/>
+              <a:t>.</a:t>
+            </a:r>
+            <a:r>
+              <a:rPr lang="en-US" b="1" dirty="0" smtClean="0">
+                <a:solidFill>
+                  <a:schemeClr val="tx2">
+                    <a:lumMod val="60000"/>
+                    <a:lumOff val="40000"/>
+                  </a:schemeClr>
+                </a:solidFill>
+              </a:rPr>
+              <a:t> </a:t>
+            </a:r>
+          </a:p>
+        </p:txBody>
+      </p:sp>
+      <p:sp>
+        <p:nvSpPr>
+          <p:cNvPr id="4" name="Title 2"/>
+          <p:cNvSpPr txBox="1">
+            <a:spLocks/>
+          </p:cNvSpPr>
+          <p:nvPr/>
+        </p:nvSpPr>
+        <p:spPr>
+          <a:xfrm>
+            <a:off x="457200" y="274638"/>
+            <a:ext cx="8229600" cy="944562"/>
+          </a:xfrm>
+          <a:prstGeom prst="rect">
+            <a:avLst/>
+          </a:prstGeom>
+        </p:spPr>
+        <p:txBody>
+          <a:bodyPr vert="horz" anchor="b">
+            <a:normAutofit/>
+            <a:scene3d>
+              <a:camera prst="orthographicFront"/>
+              <a:lightRig rig="soft" dir="t"/>
+            </a:scene3d>
+            <a:sp3d prstMaterial="softEdge">
+              <a:bevelT w="25400" h="25400"/>
+            </a:sp3d>
+          </a:bodyPr>
+          <a:lstStyle/>
+          <a:p>
+            <a:pPr marL="0" marR="0" lvl="0" indent="0" defTabSz="914400" rtl="0" eaLnBrk="1" fontAlgn="auto" latinLnBrk="0" hangingPunct="1">
+              <a:lnSpc>
+                <a:spcPct val="100000"/>
+              </a:lnSpc>
+              <a:spcBef>
+                <a:spcPct val="0"/>
+              </a:spcBef>
+              <a:spcAft>
+                <a:spcPts val="0"/>
+              </a:spcAft>
+              <a:buClrTx/>
+              <a:buSzTx/>
+              <a:buFontTx/>
+              <a:buNone/>
+              <a:tabLst/>
+              <a:defRPr/>
             </a:pPr>
             <a:r>
-              <a:rPr lang="en-US" dirty="0" smtClean="0"/>
-              <a:t>Scopes provide separation between the model and the view, via a mechanism for watching the model for changes.</a:t>
-            </a:r>
-          </a:p>
-          <a:p>
-            <a:endParaRPr lang="en-US" dirty="0"/>
-          </a:p>
-        </p:txBody>
-      </p:sp>
-      <p:sp>
-        <p:nvSpPr>
-          <p:cNvPr id="3" name="Title 2"/>
-          <p:cNvSpPr>
-            <a:spLocks noGrp="1"/>
-          </p:cNvSpPr>
-          <p:nvPr>
-            <p:ph type="title"/>
-          </p:nvPr>
-        </p:nvSpPr>
-        <p:spPr/>
-        <p:txBody>
-          <a:bodyPr/>
-          <a:lstStyle/>
-          <a:p>
-            <a:r>
-              <a:rPr lang="en-US" dirty="0" err="1" smtClean="0"/>
-              <a:t>Rootscope</a:t>
-            </a:r>
-            <a:endParaRPr lang="en-US" dirty="0"/>
+              <a:rPr kumimoji="0" lang="en-US" sz="4100" b="1" i="0" u="none" strike="noStrike" kern="1200" cap="none" spc="0" normalizeH="0" baseline="0" noProof="0" dirty="0" smtClean="0">
+                <a:ln>
+                  <a:noFill/>
+                </a:ln>
+                <a:solidFill>
+                  <a:schemeClr val="tx2"/>
+                </a:solidFill>
+                <a:effectLst>
+                  <a:outerShdw blurRad="31750" dist="25400" dir="5400000" algn="tl" rotWithShape="0">
+                    <a:srgbClr val="000000">
+                      <a:alpha val="25000"/>
+                    </a:srgbClr>
+                  </a:outerShdw>
+                </a:effectLst>
+                <a:uLnTx/>
+                <a:uFillTx/>
+                <a:latin typeface="+mj-lt"/>
+                <a:ea typeface="+mj-ea"/>
+                <a:cs typeface="+mj-cs"/>
+              </a:rPr>
+              <a:t>Controller</a:t>
+            </a:r>
+            <a:endParaRPr kumimoji="0" lang="en-US" sz="4100" b="1" i="0" u="none" strike="noStrike" kern="1200" cap="none" spc="0" normalizeH="0" baseline="0" noProof="0" dirty="0">
+              <a:ln>
+                <a:noFill/>
+              </a:ln>
+              <a:solidFill>
+                <a:schemeClr val="tx2"/>
+              </a:solidFill>
+              <a:effectLst>
+                <a:outerShdw blurRad="31750" dist="25400" dir="5400000" algn="tl" rotWithShape="0">
+                  <a:srgbClr val="000000">
+                    <a:alpha val="25000"/>
+                  </a:srgbClr>
+                </a:outerShdw>
+              </a:effectLst>
+              <a:uLnTx/>
+              <a:uFillTx/>
+              <a:latin typeface="+mj-lt"/>
+              <a:ea typeface="+mj-ea"/>
+              <a:cs typeface="+mj-cs"/>
+            </a:endParaRPr>
           </a:p>
         </p:txBody>
       </p:sp>
     </p:spTree>
+    <p:extLst>
+      <p:ext uri="{BB962C8B-B14F-4D97-AF65-F5344CB8AC3E}">
+        <p14:creationId xmlns="" xmlns:p14="http://schemas.microsoft.com/office/powerpoint/2010/main" val="3054112379"/>
+      </p:ext>
+    </p:extLst>
   </p:cSld>
   <p:clrMapOvr>
     <a:masterClrMapping/>
@@ -9206,142 +8392,69 @@
       </p:grpSpPr>
       <p:sp>
         <p:nvSpPr>
-          <p:cNvPr id="2" name="Title 1"/>
-          <p:cNvSpPr>
-            <a:spLocks noGrp="1"/>
-          </p:cNvSpPr>
-          <p:nvPr>
-            <p:ph type="ctrTitle"/>
-          </p:nvPr>
-        </p:nvSpPr>
-        <p:spPr>
-          <a:xfrm>
-            <a:off x="616955" y="228600"/>
-            <a:ext cx="7772400" cy="685800"/>
-          </a:xfrm>
-        </p:spPr>
+          <p:cNvPr id="2" name="Content Placeholder 1"/>
+          <p:cNvSpPr>
+            <a:spLocks noGrp="1"/>
+          </p:cNvSpPr>
+          <p:nvPr>
+            <p:ph idx="1"/>
+          </p:nvPr>
+        </p:nvSpPr>
+        <p:spPr/>
         <p:txBody>
           <a:bodyPr>
-            <a:normAutofit fontScale="90000"/>
+            <a:normAutofit/>
           </a:bodyPr>
           <a:lstStyle/>
           <a:p>
-            <a:r>
-              <a:rPr lang="en-US" dirty="0" smtClean="0"/>
-              <a:t>Data Binding</a:t>
-            </a:r>
-            <a:endParaRPr lang="en-US" dirty="0"/>
-          </a:p>
-        </p:txBody>
-      </p:sp>
-      <p:sp>
-        <p:nvSpPr>
-          <p:cNvPr id="3" name="Subtitle 2"/>
-          <p:cNvSpPr>
-            <a:spLocks noGrp="1"/>
-          </p:cNvSpPr>
-          <p:nvPr>
-            <p:ph type="subTitle" idx="1"/>
-          </p:nvPr>
-        </p:nvSpPr>
-        <p:spPr>
-          <a:xfrm>
-            <a:off x="533400" y="990600"/>
-            <a:ext cx="8001000" cy="5410200"/>
-          </a:xfrm>
-        </p:spPr>
-        <p:txBody>
-          <a:bodyPr/>
-          <a:lstStyle/>
-          <a:p>
-            <a:pPr marL="457200" indent="-457200" algn="l">
+            <a:pPr marL="457200" indent="-457200">
               <a:buFont typeface="Arial" panose="020B0604020202020204" pitchFamily="34" charset="0"/>
               <a:buChar char="•"/>
             </a:pPr>
             <a:r>
               <a:rPr lang="en-US" dirty="0" smtClean="0"/>
-              <a:t>Heart and Soul of Large scale application</a:t>
-            </a:r>
-          </a:p>
-          <a:p>
-            <a:pPr marL="457200" indent="-457200" algn="l">
+              <a:t>Scope </a:t>
+            </a:r>
+          </a:p>
+          <a:p>
+            <a:pPr marL="914400" lvl="1" indent="-457200">
               <a:buFont typeface="Arial" panose="020B0604020202020204" pitchFamily="34" charset="0"/>
               <a:buChar char="•"/>
             </a:pPr>
             <a:r>
               <a:rPr lang="en-US" dirty="0" smtClean="0"/>
-              <a:t>Any changes to the view are immediately reflected in the model, and any changes in the model are propagated to the view.</a:t>
-            </a:r>
-          </a:p>
-          <a:p>
-            <a:pPr marL="457200" indent="-457200" algn="l">
-              <a:buFont typeface="Arial" panose="020B0604020202020204" pitchFamily="34" charset="0"/>
-              <a:buChar char="•"/>
-            </a:pPr>
+              <a:t>Scope glue between application controller and the view.</a:t>
+            </a:r>
+          </a:p>
+          <a:p>
             <a:endParaRPr lang="en-US" dirty="0"/>
           </a:p>
         </p:txBody>
       </p:sp>
-      <p:pic>
-        <p:nvPicPr>
-          <p:cNvPr id="1026" name="Picture 2"/>
-          <p:cNvPicPr>
-            <a:picLocks noChangeAspect="1" noChangeArrowheads="1"/>
-          </p:cNvPicPr>
-          <p:nvPr/>
-        </p:nvPicPr>
-        <p:blipFill>
-          <a:blip r:embed="rId3" cstate="print">
-            <a:extLst>
-              <a:ext uri="{28A0092B-C50C-407E-A947-70E740481C1C}">
-                <a14:useLocalDpi xmlns:a14="http://schemas.microsoft.com/office/drawing/2010/main" xmlns="" val="0"/>
-              </a:ext>
-            </a:extLst>
-          </a:blip>
-          <a:srcRect/>
-          <a:stretch>
-            <a:fillRect/>
-          </a:stretch>
-        </p:blipFill>
-        <p:spPr bwMode="auto">
-          <a:xfrm>
-            <a:off x="844062" y="2971800"/>
-            <a:ext cx="3867150" cy="2752725"/>
-          </a:xfrm>
-          <a:prstGeom prst="rect">
-            <a:avLst/>
-          </a:prstGeom>
-          <a:noFill/>
-          <a:ln>
-            <a:noFill/>
-          </a:ln>
-          <a:extLst>
-            <a:ext uri="{909E8E84-426E-40DD-AFC4-6F175D3DCCD1}">
-              <a14:hiddenFill xmlns:a14="http://schemas.microsoft.com/office/drawing/2010/main" xmlns="">
-                <a:solidFill>
-                  <a:schemeClr val="accent1"/>
-                </a:solidFill>
-              </a14:hiddenFill>
-            </a:ext>
-            <a:ext uri="{91240B29-F687-4F45-9708-019B960494DF}">
-              <a14:hiddenLine xmlns:a14="http://schemas.microsoft.com/office/drawing/2010/main" xmlns="" w="9525">
-                <a:solidFill>
-                  <a:schemeClr val="tx1"/>
-                </a:solidFill>
-                <a:miter lim="800000"/>
-                <a:headEnd/>
-                <a:tailEnd/>
-              </a14:hiddenLine>
-            </a:ext>
-          </a:extLst>
-        </p:spPr>
-      </p:pic>
+      <p:sp>
+        <p:nvSpPr>
+          <p:cNvPr id="3" name="Title 2"/>
+          <p:cNvSpPr>
+            <a:spLocks noGrp="1"/>
+          </p:cNvSpPr>
+          <p:nvPr>
+            <p:ph type="title"/>
+          </p:nvPr>
+        </p:nvSpPr>
+        <p:spPr/>
+        <p:txBody>
+          <a:bodyPr/>
+          <a:lstStyle/>
+          <a:p>
+            <a:r>
+              <a:rPr lang="en-US" dirty="0" smtClean="0"/>
+              <a:t>Scope</a:t>
+            </a:r>
+            <a:endParaRPr lang="en-US" dirty="0"/>
+          </a:p>
+        </p:txBody>
+      </p:sp>
     </p:spTree>
-    <p:extLst>
-      <p:ext uri="{BB962C8B-B14F-4D97-AF65-F5344CB8AC3E}">
-        <p14:creationId xmlns:p14="http://schemas.microsoft.com/office/powerpoint/2010/main" xmlns="" val="3054112379"/>
-      </p:ext>
-    </p:extLst>
   </p:cSld>
   <p:clrMapOvr>
     <a:masterClrMapping/>
